--- a/presentation_files/presentation.pptx
+++ b/presentation_files/presentation.pptx
@@ -8,6 +8,11 @@
     <p:sldId id="256" r:id="rId2"/>
     <p:sldId id="257" r:id="rId3"/>
     <p:sldId id="258" r:id="rId4"/>
+    <p:sldId id="259" r:id="rId5"/>
+    <p:sldId id="260" r:id="rId6"/>
+    <p:sldId id="261" r:id="rId7"/>
+    <p:sldId id="262" r:id="rId8"/>
+    <p:sldId id="263" r:id="rId9"/>
   </p:sldIdLst>
   <p:sldSz cx="12192000" cy="6858000"/>
   <p:notesSz cx="6858000" cy="9144000"/>
@@ -245,7 +250,7 @@
           <a:p>
             <a:fld id="{A07FB226-E121-43F9-92BA-CABC49963F03}" type="datetimeFigureOut">
               <a:rPr lang="en-US" smtClean="0"/>
-              <a:t>1/1/2020</a:t>
+              <a:t>1/31/2020</a:t>
             </a:fld>
             <a:endParaRPr lang="en-US"/>
           </a:p>
@@ -415,7 +420,7 @@
           <a:p>
             <a:fld id="{A07FB226-E121-43F9-92BA-CABC49963F03}" type="datetimeFigureOut">
               <a:rPr lang="en-US" smtClean="0"/>
-              <a:t>1/1/2020</a:t>
+              <a:t>1/31/2020</a:t>
             </a:fld>
             <a:endParaRPr lang="en-US"/>
           </a:p>
@@ -595,7 +600,7 @@
           <a:p>
             <a:fld id="{A07FB226-E121-43F9-92BA-CABC49963F03}" type="datetimeFigureOut">
               <a:rPr lang="en-US" smtClean="0"/>
-              <a:t>1/1/2020</a:t>
+              <a:t>1/31/2020</a:t>
             </a:fld>
             <a:endParaRPr lang="en-US"/>
           </a:p>
@@ -765,7 +770,7 @@
           <a:p>
             <a:fld id="{A07FB226-E121-43F9-92BA-CABC49963F03}" type="datetimeFigureOut">
               <a:rPr lang="en-US" smtClean="0"/>
-              <a:t>1/1/2020</a:t>
+              <a:t>1/31/2020</a:t>
             </a:fld>
             <a:endParaRPr lang="en-US"/>
           </a:p>
@@ -1011,7 +1016,7 @@
           <a:p>
             <a:fld id="{A07FB226-E121-43F9-92BA-CABC49963F03}" type="datetimeFigureOut">
               <a:rPr lang="en-US" smtClean="0"/>
-              <a:t>1/1/2020</a:t>
+              <a:t>1/31/2020</a:t>
             </a:fld>
             <a:endParaRPr lang="en-US"/>
           </a:p>
@@ -1243,7 +1248,7 @@
           <a:p>
             <a:fld id="{A07FB226-E121-43F9-92BA-CABC49963F03}" type="datetimeFigureOut">
               <a:rPr lang="en-US" smtClean="0"/>
-              <a:t>1/1/2020</a:t>
+              <a:t>1/31/2020</a:t>
             </a:fld>
             <a:endParaRPr lang="en-US"/>
           </a:p>
@@ -1610,7 +1615,7 @@
           <a:p>
             <a:fld id="{A07FB226-E121-43F9-92BA-CABC49963F03}" type="datetimeFigureOut">
               <a:rPr lang="en-US" smtClean="0"/>
-              <a:t>1/1/2020</a:t>
+              <a:t>1/31/2020</a:t>
             </a:fld>
             <a:endParaRPr lang="en-US"/>
           </a:p>
@@ -1728,7 +1733,7 @@
           <a:p>
             <a:fld id="{A07FB226-E121-43F9-92BA-CABC49963F03}" type="datetimeFigureOut">
               <a:rPr lang="en-US" smtClean="0"/>
-              <a:t>1/1/2020</a:t>
+              <a:t>1/31/2020</a:t>
             </a:fld>
             <a:endParaRPr lang="en-US"/>
           </a:p>
@@ -1823,7 +1828,7 @@
           <a:p>
             <a:fld id="{A07FB226-E121-43F9-92BA-CABC49963F03}" type="datetimeFigureOut">
               <a:rPr lang="en-US" smtClean="0"/>
-              <a:t>1/1/2020</a:t>
+              <a:t>1/31/2020</a:t>
             </a:fld>
             <a:endParaRPr lang="en-US"/>
           </a:p>
@@ -2100,7 +2105,7 @@
           <a:p>
             <a:fld id="{A07FB226-E121-43F9-92BA-CABC49963F03}" type="datetimeFigureOut">
               <a:rPr lang="en-US" smtClean="0"/>
-              <a:t>1/1/2020</a:t>
+              <a:t>1/31/2020</a:t>
             </a:fld>
             <a:endParaRPr lang="en-US"/>
           </a:p>
@@ -2353,7 +2358,7 @@
           <a:p>
             <a:fld id="{A07FB226-E121-43F9-92BA-CABC49963F03}" type="datetimeFigureOut">
               <a:rPr lang="en-US" smtClean="0"/>
-              <a:t>1/1/2020</a:t>
+              <a:t>1/31/2020</a:t>
             </a:fld>
             <a:endParaRPr lang="en-US"/>
           </a:p>
@@ -2566,7 +2571,7 @@
           <a:p>
             <a:fld id="{A07FB226-E121-43F9-92BA-CABC49963F03}" type="datetimeFigureOut">
               <a:rPr lang="en-US" smtClean="0"/>
-              <a:t>1/1/2020</a:t>
+              <a:t>1/31/2020</a:t>
             </a:fld>
             <a:endParaRPr lang="en-US"/>
           </a:p>
@@ -3607,6 +3612,2308 @@
           <a:chExt cx="0" cy="0"/>
         </a:xfrm>
       </p:grpSpPr>
+      <p:grpSp>
+        <p:nvGrpSpPr>
+          <p:cNvPr id="3" name="Group 2"/>
+          <p:cNvGrpSpPr/>
+          <p:nvPr/>
+        </p:nvGrpSpPr>
+        <p:grpSpPr>
+          <a:xfrm>
+            <a:off x="0" y="0"/>
+            <a:ext cx="12192000" cy="6858000"/>
+            <a:chOff x="0" y="0"/>
+            <a:chExt cx="12192000" cy="6858000"/>
+          </a:xfrm>
+        </p:grpSpPr>
+        <p:sp>
+          <p:nvSpPr>
+            <p:cNvPr id="4" name="Rectangle 3"/>
+            <p:cNvSpPr/>
+            <p:nvPr/>
+          </p:nvSpPr>
+          <p:spPr>
+            <a:xfrm>
+              <a:off x="0" y="0"/>
+              <a:ext cx="12192000" cy="6858000"/>
+            </a:xfrm>
+            <a:prstGeom prst="rect">
+              <a:avLst/>
+            </a:prstGeom>
+            <a:blipFill dpi="0" rotWithShape="1">
+              <a:blip r:embed="rId2">
+                <a:alphaModFix amt="25000"/>
+                <a:extLst>
+                  <a:ext uri="{28A0092B-C50C-407E-A947-70E740481C1C}">
+                    <a14:useLocalDpi xmlns:a14="http://schemas.microsoft.com/office/drawing/2010/main" val="0"/>
+                  </a:ext>
+                </a:extLst>
+              </a:blip>
+              <a:srcRect/>
+              <a:stretch>
+                <a:fillRect/>
+              </a:stretch>
+            </a:blipFill>
+          </p:spPr>
+          <p:style>
+            <a:lnRef idx="2">
+              <a:schemeClr val="accent1">
+                <a:shade val="50000"/>
+              </a:schemeClr>
+            </a:lnRef>
+            <a:fillRef idx="1">
+              <a:schemeClr val="accent1"/>
+            </a:fillRef>
+            <a:effectRef idx="0">
+              <a:schemeClr val="accent1"/>
+            </a:effectRef>
+            <a:fontRef idx="minor">
+              <a:schemeClr val="lt1"/>
+            </a:fontRef>
+          </p:style>
+          <p:txBody>
+            <a:bodyPr rtlCol="0" anchor="ctr"/>
+            <a:lstStyle/>
+            <a:p>
+              <a:pPr algn="ctr"/>
+              <a:endParaRPr lang="en-US">
+                <a:ln w="0"/>
+                <a:solidFill>
+                  <a:schemeClr val="tx1"/>
+                </a:solidFill>
+                <a:effectLst>
+                  <a:outerShdw blurRad="38100" dist="19050" dir="2700000" algn="tl" rotWithShape="0">
+                    <a:schemeClr val="dk1">
+                      <a:alpha val="40000"/>
+                    </a:schemeClr>
+                  </a:outerShdw>
+                </a:effectLst>
+              </a:endParaRPr>
+            </a:p>
+          </p:txBody>
+        </p:sp>
+        <p:sp>
+          <p:nvSpPr>
+            <p:cNvPr id="2" name="TextBox 1"/>
+            <p:cNvSpPr txBox="1"/>
+            <p:nvPr/>
+          </p:nvSpPr>
+          <p:spPr>
+            <a:xfrm>
+              <a:off x="828135" y="146648"/>
+              <a:ext cx="2993366" cy="646331"/>
+            </a:xfrm>
+            <a:prstGeom prst="rect">
+              <a:avLst/>
+            </a:prstGeom>
+            <a:noFill/>
+            <a:ln>
+              <a:solidFill>
+                <a:schemeClr val="bg1">
+                  <a:lumMod val="75000"/>
+                </a:schemeClr>
+              </a:solidFill>
+            </a:ln>
+          </p:spPr>
+          <p:txBody>
+            <a:bodyPr wrap="square" rtlCol="0">
+              <a:spAutoFit/>
+            </a:bodyPr>
+            <a:lstStyle/>
+            <a:p>
+              <a:r>
+                <a:rPr lang="en-US" sz="3600" b="1" dirty="0" smtClean="0">
+                  <a:latin typeface="Adobe Song Std L" panose="02020300000000000000" pitchFamily="18" charset="-128"/>
+                  <a:ea typeface="Adobe Song Std L" panose="02020300000000000000" pitchFamily="18" charset="-128"/>
+                </a:rPr>
+                <a:t>Process Flow</a:t>
+              </a:r>
+              <a:endParaRPr lang="en-US" sz="3600" b="1" dirty="0">
+                <a:latin typeface="Adobe Song Std L" panose="02020300000000000000" pitchFamily="18" charset="-128"/>
+                <a:ea typeface="Adobe Song Std L" panose="02020300000000000000" pitchFamily="18" charset="-128"/>
+              </a:endParaRPr>
+            </a:p>
+          </p:txBody>
+        </p:sp>
+        <p:sp>
+          <p:nvSpPr>
+            <p:cNvPr id="5" name="Oval 4"/>
+            <p:cNvSpPr/>
+            <p:nvPr/>
+          </p:nvSpPr>
+          <p:spPr>
+            <a:xfrm>
+              <a:off x="2028645" y="887868"/>
+              <a:ext cx="8134709" cy="5970132"/>
+            </a:xfrm>
+            <a:prstGeom prst="ellipse">
+              <a:avLst/>
+            </a:prstGeom>
+            <a:solidFill>
+              <a:schemeClr val="bg1">
+                <a:alpha val="55000"/>
+              </a:schemeClr>
+            </a:solidFill>
+            <a:ln>
+              <a:solidFill>
+                <a:srgbClr val="D1D1D1"/>
+              </a:solidFill>
+            </a:ln>
+          </p:spPr>
+          <p:style>
+            <a:lnRef idx="2">
+              <a:schemeClr val="accent1">
+                <a:shade val="50000"/>
+              </a:schemeClr>
+            </a:lnRef>
+            <a:fillRef idx="1">
+              <a:schemeClr val="accent1"/>
+            </a:fillRef>
+            <a:effectRef idx="0">
+              <a:schemeClr val="accent1"/>
+            </a:effectRef>
+            <a:fontRef idx="minor">
+              <a:schemeClr val="lt1"/>
+            </a:fontRef>
+          </p:style>
+          <p:txBody>
+            <a:bodyPr rtlCol="0" anchor="ctr"/>
+            <a:lstStyle/>
+            <a:p>
+              <a:pPr algn="ctr"/>
+              <a:endParaRPr lang="en-US"/>
+            </a:p>
+          </p:txBody>
+        </p:sp>
+        <p:pic>
+          <p:nvPicPr>
+            <p:cNvPr id="1026" name="Picture 2" descr="Related image"/>
+            <p:cNvPicPr>
+              <a:picLocks noChangeAspect="1" noChangeArrowheads="1"/>
+            </p:cNvPicPr>
+            <p:nvPr/>
+          </p:nvPicPr>
+          <p:blipFill>
+            <a:blip r:embed="rId3">
+              <a:extLst>
+                <a:ext uri="{28A0092B-C50C-407E-A947-70E740481C1C}">
+                  <a14:useLocalDpi xmlns:a14="http://schemas.microsoft.com/office/drawing/2010/main" val="0"/>
+                </a:ext>
+              </a:extLst>
+            </a:blip>
+            <a:srcRect/>
+            <a:stretch>
+              <a:fillRect/>
+            </a:stretch>
+          </p:blipFill>
+          <p:spPr bwMode="auto">
+            <a:xfrm>
+              <a:off x="3159721" y="2712910"/>
+              <a:ext cx="1828800" cy="1828800"/>
+            </a:xfrm>
+            <a:prstGeom prst="rect">
+              <a:avLst/>
+            </a:prstGeom>
+            <a:noFill/>
+            <a:extLst>
+              <a:ext uri="{909E8E84-426E-40DD-AFC4-6F175D3DCCD1}">
+                <a14:hiddenFill xmlns:a14="http://schemas.microsoft.com/office/drawing/2010/main">
+                  <a:solidFill>
+                    <a:srgbClr val="FFFFFF"/>
+                  </a:solidFill>
+                </a14:hiddenFill>
+              </a:ext>
+            </a:extLst>
+          </p:spPr>
+        </p:pic>
+        <p:pic>
+          <p:nvPicPr>
+            <p:cNvPr id="1028" name="Picture 4" descr="Image result for mobile icon"/>
+            <p:cNvPicPr>
+              <a:picLocks noChangeAspect="1" noChangeArrowheads="1"/>
+            </p:cNvPicPr>
+            <p:nvPr/>
+          </p:nvPicPr>
+          <p:blipFill rotWithShape="1">
+            <a:blip r:embed="rId4" cstate="print">
+              <a:extLst>
+                <a:ext uri="{28A0092B-C50C-407E-A947-70E740481C1C}">
+                  <a14:useLocalDpi xmlns:a14="http://schemas.microsoft.com/office/drawing/2010/main" val="0"/>
+                </a:ext>
+              </a:extLst>
+            </a:blip>
+            <a:srcRect l="3412" r="3412" b="13726"/>
+            <a:stretch/>
+          </p:blipFill>
+          <p:spPr bwMode="auto">
+            <a:xfrm>
+              <a:off x="7216793" y="2712910"/>
+              <a:ext cx="1828800" cy="1828800"/>
+            </a:xfrm>
+            <a:prstGeom prst="rect">
+              <a:avLst/>
+            </a:prstGeom>
+            <a:noFill/>
+            <a:extLst>
+              <a:ext uri="{909E8E84-426E-40DD-AFC4-6F175D3DCCD1}">
+                <a14:hiddenFill xmlns:a14="http://schemas.microsoft.com/office/drawing/2010/main">
+                  <a:solidFill>
+                    <a:srgbClr val="FFFFFF"/>
+                  </a:solidFill>
+                </a14:hiddenFill>
+              </a:ext>
+            </a:extLst>
+          </p:spPr>
+        </p:pic>
+        <p:sp>
+          <p:nvSpPr>
+            <p:cNvPr id="6" name="Curved Down Arrow 5"/>
+            <p:cNvSpPr/>
+            <p:nvPr/>
+          </p:nvSpPr>
+          <p:spPr>
+            <a:xfrm>
+              <a:off x="4562669" y="1931437"/>
+              <a:ext cx="3303037" cy="923730"/>
+            </a:xfrm>
+            <a:prstGeom prst="curvedDownArrow">
+              <a:avLst/>
+            </a:prstGeom>
+            <a:solidFill>
+              <a:srgbClr val="D1D1D1"/>
+            </a:solidFill>
+            <a:ln>
+              <a:solidFill>
+                <a:srgbClr val="D1D1D1"/>
+              </a:solidFill>
+            </a:ln>
+          </p:spPr>
+          <p:style>
+            <a:lnRef idx="2">
+              <a:schemeClr val="accent1">
+                <a:shade val="50000"/>
+              </a:schemeClr>
+            </a:lnRef>
+            <a:fillRef idx="1">
+              <a:schemeClr val="accent1"/>
+            </a:fillRef>
+            <a:effectRef idx="0">
+              <a:schemeClr val="accent1"/>
+            </a:effectRef>
+            <a:fontRef idx="minor">
+              <a:schemeClr val="lt1"/>
+            </a:fontRef>
+          </p:style>
+          <p:txBody>
+            <a:bodyPr rtlCol="0" anchor="ctr"/>
+            <a:lstStyle/>
+            <a:p>
+              <a:pPr algn="ctr"/>
+              <a:endParaRPr lang="en-US">
+                <a:solidFill>
+                  <a:schemeClr val="tx1"/>
+                </a:solidFill>
+              </a:endParaRPr>
+            </a:p>
+          </p:txBody>
+        </p:sp>
+        <p:sp>
+          <p:nvSpPr>
+            <p:cNvPr id="9" name="Curved Down Arrow 8"/>
+            <p:cNvSpPr/>
+            <p:nvPr/>
+          </p:nvSpPr>
+          <p:spPr>
+            <a:xfrm rot="10800000">
+              <a:off x="4444480" y="4541710"/>
+              <a:ext cx="3303037" cy="923730"/>
+            </a:xfrm>
+            <a:prstGeom prst="curvedDownArrow">
+              <a:avLst/>
+            </a:prstGeom>
+            <a:solidFill>
+              <a:srgbClr val="D1D1D1"/>
+            </a:solidFill>
+            <a:ln>
+              <a:solidFill>
+                <a:srgbClr val="D1D1D1"/>
+              </a:solidFill>
+            </a:ln>
+          </p:spPr>
+          <p:style>
+            <a:lnRef idx="2">
+              <a:schemeClr val="accent1">
+                <a:shade val="50000"/>
+              </a:schemeClr>
+            </a:lnRef>
+            <a:fillRef idx="1">
+              <a:schemeClr val="accent1"/>
+            </a:fillRef>
+            <a:effectRef idx="0">
+              <a:schemeClr val="accent1"/>
+            </a:effectRef>
+            <a:fontRef idx="minor">
+              <a:schemeClr val="lt1"/>
+            </a:fontRef>
+          </p:style>
+          <p:txBody>
+            <a:bodyPr rtlCol="0" anchor="ctr"/>
+            <a:lstStyle/>
+            <a:p>
+              <a:pPr algn="ctr"/>
+              <a:endParaRPr lang="en-US">
+                <a:solidFill>
+                  <a:schemeClr val="tx1"/>
+                </a:solidFill>
+              </a:endParaRPr>
+            </a:p>
+          </p:txBody>
+        </p:sp>
+        <p:sp>
+          <p:nvSpPr>
+            <p:cNvPr id="7" name="TextBox 6"/>
+            <p:cNvSpPr txBox="1"/>
+            <p:nvPr/>
+          </p:nvSpPr>
+          <p:spPr>
+            <a:xfrm>
+              <a:off x="3677570" y="4449577"/>
+              <a:ext cx="793102" cy="369332"/>
+            </a:xfrm>
+            <a:prstGeom prst="rect">
+              <a:avLst/>
+            </a:prstGeom>
+            <a:noFill/>
+          </p:spPr>
+          <p:txBody>
+            <a:bodyPr wrap="square" rtlCol="0">
+              <a:spAutoFit/>
+            </a:bodyPr>
+            <a:lstStyle/>
+            <a:p>
+              <a:r>
+                <a:rPr lang="en-US" b="1" dirty="0" smtClean="0"/>
+                <a:t>Server</a:t>
+              </a:r>
+              <a:endParaRPr lang="en-US" b="1" dirty="0"/>
+            </a:p>
+          </p:txBody>
+        </p:sp>
+        <p:sp>
+          <p:nvSpPr>
+            <p:cNvPr id="11" name="TextBox 10"/>
+            <p:cNvSpPr txBox="1"/>
+            <p:nvPr/>
+          </p:nvSpPr>
+          <p:spPr>
+            <a:xfrm>
+              <a:off x="7865706" y="4495543"/>
+              <a:ext cx="793102" cy="369332"/>
+            </a:xfrm>
+            <a:prstGeom prst="rect">
+              <a:avLst/>
+            </a:prstGeom>
+            <a:noFill/>
+          </p:spPr>
+          <p:txBody>
+            <a:bodyPr wrap="square" rtlCol="0">
+              <a:spAutoFit/>
+            </a:bodyPr>
+            <a:lstStyle/>
+            <a:p>
+              <a:r>
+                <a:rPr lang="en-US" b="1" dirty="0" smtClean="0"/>
+                <a:t>User</a:t>
+              </a:r>
+              <a:endParaRPr lang="en-US" b="1" dirty="0"/>
+            </a:p>
+          </p:txBody>
+        </p:sp>
+        <p:sp>
+          <p:nvSpPr>
+            <p:cNvPr id="12" name="Rectangle 11"/>
+            <p:cNvSpPr/>
+            <p:nvPr/>
+          </p:nvSpPr>
+          <p:spPr>
+            <a:xfrm>
+              <a:off x="10374644" y="5945059"/>
+              <a:ext cx="1604865" cy="643812"/>
+            </a:xfrm>
+            <a:prstGeom prst="rect">
+              <a:avLst/>
+            </a:prstGeom>
+            <a:solidFill>
+              <a:schemeClr val="bg1">
+                <a:lumMod val="85000"/>
+              </a:schemeClr>
+            </a:solidFill>
+            <a:ln w="28575">
+              <a:solidFill>
+                <a:schemeClr val="bg1"/>
+              </a:solidFill>
+              <a:prstDash val="lgDash"/>
+            </a:ln>
+            <a:effectLst>
+              <a:outerShdw blurRad="50800" dist="38100" algn="l" rotWithShape="0">
+                <a:prstClr val="black">
+                  <a:alpha val="40000"/>
+                </a:prstClr>
+              </a:outerShdw>
+            </a:effectLst>
+            <a:scene3d>
+              <a:camera prst="perspectiveHeroicExtremeLeftFacing"/>
+              <a:lightRig rig="threePt" dir="t"/>
+            </a:scene3d>
+          </p:spPr>
+          <p:style>
+            <a:lnRef idx="2">
+              <a:schemeClr val="accent1">
+                <a:shade val="50000"/>
+              </a:schemeClr>
+            </a:lnRef>
+            <a:fillRef idx="1">
+              <a:schemeClr val="accent1"/>
+            </a:fillRef>
+            <a:effectRef idx="0">
+              <a:schemeClr val="accent1"/>
+            </a:effectRef>
+            <a:fontRef idx="minor">
+              <a:schemeClr val="lt1"/>
+            </a:fontRef>
+          </p:style>
+          <p:txBody>
+            <a:bodyPr rtlCol="0" anchor="ctr"/>
+            <a:lstStyle/>
+            <a:p>
+              <a:pPr algn="r"/>
+              <a:r>
+                <a:rPr lang="en-US" sz="1400" dirty="0" smtClean="0">
+                  <a:solidFill>
+                    <a:schemeClr val="bg2">
+                      <a:lumMod val="25000"/>
+                    </a:schemeClr>
+                  </a:solidFill>
+                </a:rPr>
+                <a:t>Share a</a:t>
+              </a:r>
+            </a:p>
+            <a:p>
+              <a:pPr algn="r"/>
+              <a:r>
+                <a:rPr lang="en-US" sz="1400" dirty="0" smtClean="0">
+                  <a:solidFill>
+                    <a:schemeClr val="bg2">
+                      <a:lumMod val="25000"/>
+                    </a:schemeClr>
+                  </a:solidFill>
+                </a:rPr>
+                <a:t>Moment</a:t>
+              </a:r>
+              <a:endParaRPr lang="en-US" sz="1400" dirty="0"/>
+            </a:p>
+          </p:txBody>
+        </p:sp>
+        <p:sp>
+          <p:nvSpPr>
+            <p:cNvPr id="20" name="Rectangle 19"/>
+            <p:cNvSpPr/>
+            <p:nvPr/>
+          </p:nvSpPr>
+          <p:spPr>
+            <a:xfrm>
+              <a:off x="10374646" y="1376792"/>
+              <a:ext cx="1604865" cy="643812"/>
+            </a:xfrm>
+            <a:prstGeom prst="rect">
+              <a:avLst/>
+            </a:prstGeom>
+            <a:solidFill>
+              <a:schemeClr val="bg1">
+                <a:lumMod val="85000"/>
+              </a:schemeClr>
+            </a:solidFill>
+            <a:ln w="28575">
+              <a:solidFill>
+                <a:schemeClr val="bg1"/>
+              </a:solidFill>
+              <a:prstDash val="lgDash"/>
+            </a:ln>
+            <a:effectLst>
+              <a:outerShdw blurRad="50800" dist="38100" algn="l" rotWithShape="0">
+                <a:prstClr val="black">
+                  <a:alpha val="40000"/>
+                </a:prstClr>
+              </a:outerShdw>
+            </a:effectLst>
+            <a:scene3d>
+              <a:camera prst="perspectiveHeroicExtremeLeftFacing"/>
+              <a:lightRig rig="threePt" dir="t"/>
+            </a:scene3d>
+          </p:spPr>
+          <p:style>
+            <a:lnRef idx="2">
+              <a:schemeClr val="accent1">
+                <a:shade val="50000"/>
+              </a:schemeClr>
+            </a:lnRef>
+            <a:fillRef idx="1">
+              <a:schemeClr val="accent1"/>
+            </a:fillRef>
+            <a:effectRef idx="0">
+              <a:schemeClr val="accent1"/>
+            </a:effectRef>
+            <a:fontRef idx="minor">
+              <a:schemeClr val="lt1"/>
+            </a:fontRef>
+          </p:style>
+          <p:txBody>
+            <a:bodyPr rtlCol="0" anchor="ctr"/>
+            <a:lstStyle/>
+            <a:p>
+              <a:pPr algn="r"/>
+              <a:r>
+                <a:rPr lang="en-US" sz="1400" dirty="0" smtClean="0">
+                  <a:solidFill>
+                    <a:schemeClr val="bg2">
+                      <a:lumMod val="25000"/>
+                    </a:schemeClr>
+                  </a:solidFill>
+                </a:rPr>
+                <a:t>NGO</a:t>
+              </a:r>
+              <a:br>
+                <a:rPr lang="en-US" sz="1400" dirty="0" smtClean="0">
+                  <a:solidFill>
+                    <a:schemeClr val="bg2">
+                      <a:lumMod val="25000"/>
+                    </a:schemeClr>
+                  </a:solidFill>
+                </a:rPr>
+              </a:br>
+              <a:r>
+                <a:rPr lang="en-US" sz="1400" dirty="0" smtClean="0">
+                  <a:solidFill>
+                    <a:schemeClr val="bg2">
+                      <a:lumMod val="25000"/>
+                    </a:schemeClr>
+                  </a:solidFill>
+                </a:rPr>
+                <a:t>Details</a:t>
+              </a:r>
+              <a:endParaRPr lang="en-US" sz="1400" dirty="0">
+                <a:solidFill>
+                  <a:schemeClr val="bg2">
+                    <a:lumMod val="25000"/>
+                  </a:schemeClr>
+                </a:solidFill>
+              </a:endParaRPr>
+            </a:p>
+          </p:txBody>
+        </p:sp>
+        <p:sp>
+          <p:nvSpPr>
+            <p:cNvPr id="21" name="Rectangle 20"/>
+            <p:cNvSpPr/>
+            <p:nvPr/>
+          </p:nvSpPr>
+          <p:spPr>
+            <a:xfrm>
+              <a:off x="10375244" y="234725"/>
+              <a:ext cx="1604865" cy="643812"/>
+            </a:xfrm>
+            <a:prstGeom prst="rect">
+              <a:avLst/>
+            </a:prstGeom>
+            <a:solidFill>
+              <a:schemeClr val="bg1">
+                <a:lumMod val="85000"/>
+              </a:schemeClr>
+            </a:solidFill>
+            <a:ln w="28575">
+              <a:solidFill>
+                <a:schemeClr val="bg1"/>
+              </a:solidFill>
+              <a:prstDash val="lgDash"/>
+            </a:ln>
+            <a:effectLst>
+              <a:outerShdw blurRad="50800" dist="38100" algn="l" rotWithShape="0">
+                <a:prstClr val="black">
+                  <a:alpha val="40000"/>
+                </a:prstClr>
+              </a:outerShdw>
+            </a:effectLst>
+            <a:scene3d>
+              <a:camera prst="perspectiveHeroicExtremeLeftFacing"/>
+              <a:lightRig rig="threePt" dir="t"/>
+            </a:scene3d>
+          </p:spPr>
+          <p:style>
+            <a:lnRef idx="2">
+              <a:schemeClr val="accent1">
+                <a:shade val="50000"/>
+              </a:schemeClr>
+            </a:lnRef>
+            <a:fillRef idx="1">
+              <a:schemeClr val="accent1"/>
+            </a:fillRef>
+            <a:effectRef idx="0">
+              <a:schemeClr val="accent1"/>
+            </a:effectRef>
+            <a:fontRef idx="minor">
+              <a:schemeClr val="lt1"/>
+            </a:fontRef>
+          </p:style>
+          <p:txBody>
+            <a:bodyPr rtlCol="0" anchor="ctr"/>
+            <a:lstStyle/>
+            <a:p>
+              <a:pPr algn="r"/>
+              <a:r>
+                <a:rPr lang="en-US" sz="1400" dirty="0" smtClean="0">
+                  <a:solidFill>
+                    <a:schemeClr val="bg2">
+                      <a:lumMod val="25000"/>
+                    </a:schemeClr>
+                  </a:solidFill>
+                </a:rPr>
+                <a:t>Make my Contribution</a:t>
+              </a:r>
+              <a:endParaRPr lang="en-US" sz="1400" dirty="0">
+                <a:solidFill>
+                  <a:schemeClr val="bg2">
+                    <a:lumMod val="25000"/>
+                  </a:schemeClr>
+                </a:solidFill>
+              </a:endParaRPr>
+            </a:p>
+          </p:txBody>
+        </p:sp>
+        <p:sp>
+          <p:nvSpPr>
+            <p:cNvPr id="22" name="Rectangle 21"/>
+            <p:cNvSpPr/>
+            <p:nvPr/>
+          </p:nvSpPr>
+          <p:spPr>
+            <a:xfrm>
+              <a:off x="10374645" y="4802993"/>
+              <a:ext cx="1604865" cy="643812"/>
+            </a:xfrm>
+            <a:prstGeom prst="rect">
+              <a:avLst/>
+            </a:prstGeom>
+            <a:solidFill>
+              <a:schemeClr val="bg1">
+                <a:lumMod val="85000"/>
+              </a:schemeClr>
+            </a:solidFill>
+            <a:ln w="28575">
+              <a:solidFill>
+                <a:schemeClr val="bg1"/>
+              </a:solidFill>
+              <a:prstDash val="lgDash"/>
+            </a:ln>
+            <a:effectLst>
+              <a:outerShdw blurRad="50800" dist="38100" algn="l" rotWithShape="0">
+                <a:prstClr val="black">
+                  <a:alpha val="40000"/>
+                </a:prstClr>
+              </a:outerShdw>
+            </a:effectLst>
+            <a:scene3d>
+              <a:camera prst="perspectiveHeroicExtremeLeftFacing"/>
+              <a:lightRig rig="threePt" dir="t"/>
+            </a:scene3d>
+          </p:spPr>
+          <p:style>
+            <a:lnRef idx="2">
+              <a:schemeClr val="accent1">
+                <a:shade val="50000"/>
+              </a:schemeClr>
+            </a:lnRef>
+            <a:fillRef idx="1">
+              <a:schemeClr val="accent1"/>
+            </a:fillRef>
+            <a:effectRef idx="0">
+              <a:schemeClr val="accent1"/>
+            </a:effectRef>
+            <a:fontRef idx="minor">
+              <a:schemeClr val="lt1"/>
+            </a:fontRef>
+          </p:style>
+          <p:txBody>
+            <a:bodyPr rtlCol="0" anchor="ctr"/>
+            <a:lstStyle/>
+            <a:p>
+              <a:pPr algn="r"/>
+              <a:r>
+                <a:rPr lang="en-US" sz="1400" dirty="0" smtClean="0">
+                  <a:solidFill>
+                    <a:schemeClr val="bg2">
+                      <a:lumMod val="25000"/>
+                    </a:schemeClr>
+                  </a:solidFill>
+                </a:rPr>
+                <a:t>Register</a:t>
+              </a:r>
+            </a:p>
+            <a:p>
+              <a:pPr algn="r"/>
+              <a:r>
+                <a:rPr lang="en-US" sz="1400" dirty="0" smtClean="0">
+                  <a:solidFill>
+                    <a:schemeClr val="bg2">
+                      <a:lumMod val="25000"/>
+                    </a:schemeClr>
+                  </a:solidFill>
+                </a:rPr>
+                <a:t>Homeless</a:t>
+              </a:r>
+              <a:endParaRPr lang="en-US" sz="1400" dirty="0"/>
+            </a:p>
+          </p:txBody>
+        </p:sp>
+        <p:sp>
+          <p:nvSpPr>
+            <p:cNvPr id="23" name="Rectangle 22"/>
+            <p:cNvSpPr/>
+            <p:nvPr/>
+          </p:nvSpPr>
+          <p:spPr>
+            <a:xfrm>
+              <a:off x="10374646" y="3660926"/>
+              <a:ext cx="1604865" cy="643812"/>
+            </a:xfrm>
+            <a:prstGeom prst="rect">
+              <a:avLst/>
+            </a:prstGeom>
+            <a:solidFill>
+              <a:schemeClr val="bg1">
+                <a:lumMod val="85000"/>
+              </a:schemeClr>
+            </a:solidFill>
+            <a:ln w="28575">
+              <a:solidFill>
+                <a:schemeClr val="bg1"/>
+              </a:solidFill>
+              <a:prstDash val="lgDash"/>
+            </a:ln>
+            <a:effectLst>
+              <a:outerShdw blurRad="50800" dist="38100" algn="l" rotWithShape="0">
+                <a:prstClr val="black">
+                  <a:alpha val="40000"/>
+                </a:prstClr>
+              </a:outerShdw>
+            </a:effectLst>
+            <a:scene3d>
+              <a:camera prst="perspectiveHeroicExtremeLeftFacing"/>
+              <a:lightRig rig="threePt" dir="t"/>
+            </a:scene3d>
+          </p:spPr>
+          <p:style>
+            <a:lnRef idx="2">
+              <a:schemeClr val="accent1">
+                <a:shade val="50000"/>
+              </a:schemeClr>
+            </a:lnRef>
+            <a:fillRef idx="1">
+              <a:schemeClr val="accent1"/>
+            </a:fillRef>
+            <a:effectRef idx="0">
+              <a:schemeClr val="accent1"/>
+            </a:effectRef>
+            <a:fontRef idx="minor">
+              <a:schemeClr val="lt1"/>
+            </a:fontRef>
+          </p:style>
+          <p:txBody>
+            <a:bodyPr rtlCol="0" anchor="ctr"/>
+            <a:lstStyle/>
+            <a:p>
+              <a:pPr algn="r"/>
+              <a:r>
+                <a:rPr lang="en-US" sz="1400" dirty="0" smtClean="0">
+                  <a:solidFill>
+                    <a:schemeClr val="bg2">
+                      <a:lumMod val="25000"/>
+                    </a:schemeClr>
+                  </a:solidFill>
+                </a:rPr>
+                <a:t>My</a:t>
+              </a:r>
+              <a:br>
+                <a:rPr lang="en-US" sz="1400" dirty="0" smtClean="0">
+                  <a:solidFill>
+                    <a:schemeClr val="bg2">
+                      <a:lumMod val="25000"/>
+                    </a:schemeClr>
+                  </a:solidFill>
+                </a:rPr>
+              </a:br>
+              <a:r>
+                <a:rPr lang="en-US" sz="1400" dirty="0" smtClean="0">
+                  <a:solidFill>
+                    <a:schemeClr val="bg2">
+                      <a:lumMod val="25000"/>
+                    </a:schemeClr>
+                  </a:solidFill>
+                </a:rPr>
+                <a:t>Reward</a:t>
+              </a:r>
+              <a:br>
+                <a:rPr lang="en-US" sz="1400" dirty="0" smtClean="0">
+                  <a:solidFill>
+                    <a:schemeClr val="bg2">
+                      <a:lumMod val="25000"/>
+                    </a:schemeClr>
+                  </a:solidFill>
+                </a:rPr>
+              </a:br>
+              <a:r>
+                <a:rPr lang="en-US" sz="1400" dirty="0" smtClean="0">
+                  <a:solidFill>
+                    <a:schemeClr val="bg2">
+                      <a:lumMod val="25000"/>
+                    </a:schemeClr>
+                  </a:solidFill>
+                </a:rPr>
+                <a:t>Points</a:t>
+              </a:r>
+              <a:endParaRPr lang="en-US" sz="1400" dirty="0"/>
+            </a:p>
+          </p:txBody>
+        </p:sp>
+        <p:sp>
+          <p:nvSpPr>
+            <p:cNvPr id="24" name="Rectangle 23"/>
+            <p:cNvSpPr/>
+            <p:nvPr/>
+          </p:nvSpPr>
+          <p:spPr>
+            <a:xfrm>
+              <a:off x="10374646" y="2518859"/>
+              <a:ext cx="1604865" cy="643812"/>
+            </a:xfrm>
+            <a:prstGeom prst="rect">
+              <a:avLst/>
+            </a:prstGeom>
+            <a:solidFill>
+              <a:schemeClr val="bg1">
+                <a:lumMod val="85000"/>
+              </a:schemeClr>
+            </a:solidFill>
+            <a:ln w="28575">
+              <a:solidFill>
+                <a:schemeClr val="bg1"/>
+              </a:solidFill>
+              <a:prstDash val="lgDash"/>
+            </a:ln>
+            <a:effectLst>
+              <a:outerShdw blurRad="50800" dist="38100" algn="l" rotWithShape="0">
+                <a:prstClr val="black">
+                  <a:alpha val="40000"/>
+                </a:prstClr>
+              </a:outerShdw>
+            </a:effectLst>
+            <a:scene3d>
+              <a:camera prst="perspectiveHeroicExtremeLeftFacing"/>
+              <a:lightRig rig="threePt" dir="t"/>
+            </a:scene3d>
+          </p:spPr>
+          <p:style>
+            <a:lnRef idx="2">
+              <a:schemeClr val="accent1">
+                <a:shade val="50000"/>
+              </a:schemeClr>
+            </a:lnRef>
+            <a:fillRef idx="1">
+              <a:schemeClr val="accent1"/>
+            </a:fillRef>
+            <a:effectRef idx="0">
+              <a:schemeClr val="accent1"/>
+            </a:effectRef>
+            <a:fontRef idx="minor">
+              <a:schemeClr val="lt1"/>
+            </a:fontRef>
+          </p:style>
+          <p:txBody>
+            <a:bodyPr rtlCol="0" anchor="ctr"/>
+            <a:lstStyle/>
+            <a:p>
+              <a:pPr algn="r"/>
+              <a:r>
+                <a:rPr lang="en-US" sz="1400" dirty="0" smtClean="0">
+                  <a:solidFill>
+                    <a:schemeClr val="bg2">
+                      <a:lumMod val="25000"/>
+                    </a:schemeClr>
+                  </a:solidFill>
+                </a:rPr>
+                <a:t>Spread</a:t>
+              </a:r>
+              <a:br>
+                <a:rPr lang="en-US" sz="1400" dirty="0" smtClean="0">
+                  <a:solidFill>
+                    <a:schemeClr val="bg2">
+                      <a:lumMod val="25000"/>
+                    </a:schemeClr>
+                  </a:solidFill>
+                </a:rPr>
+              </a:br>
+              <a:r>
+                <a:rPr lang="en-US" sz="1400" dirty="0" smtClean="0">
+                  <a:solidFill>
+                    <a:schemeClr val="bg2">
+                      <a:lumMod val="25000"/>
+                    </a:schemeClr>
+                  </a:solidFill>
+                </a:rPr>
+                <a:t>Awareness</a:t>
+              </a:r>
+              <a:endParaRPr lang="en-US" sz="1400" dirty="0"/>
+            </a:p>
+          </p:txBody>
+        </p:sp>
+        <p:cxnSp>
+          <p:nvCxnSpPr>
+            <p:cNvPr id="26" name="Curved Connector 25"/>
+            <p:cNvCxnSpPr>
+              <a:endCxn id="1028" idx="0"/>
+            </p:cNvCxnSpPr>
+            <p:nvPr/>
+          </p:nvCxnSpPr>
+          <p:spPr>
+            <a:xfrm rot="10800000" flipV="1">
+              <a:off x="8131193" y="556630"/>
+              <a:ext cx="2459052" cy="2156279"/>
+            </a:xfrm>
+            <a:prstGeom prst="curvedConnector2">
+              <a:avLst/>
+            </a:prstGeom>
+            <a:ln w="19050">
+              <a:solidFill>
+                <a:schemeClr val="bg2">
+                  <a:lumMod val="50000"/>
+                </a:schemeClr>
+              </a:solidFill>
+              <a:tailEnd type="triangle"/>
+            </a:ln>
+          </p:spPr>
+          <p:style>
+            <a:lnRef idx="1">
+              <a:schemeClr val="accent1"/>
+            </a:lnRef>
+            <a:fillRef idx="0">
+              <a:schemeClr val="accent1"/>
+            </a:fillRef>
+            <a:effectRef idx="0">
+              <a:schemeClr val="accent1"/>
+            </a:effectRef>
+            <a:fontRef idx="minor">
+              <a:schemeClr val="tx1"/>
+            </a:fontRef>
+          </p:style>
+        </p:cxnSp>
+        <p:cxnSp>
+          <p:nvCxnSpPr>
+            <p:cNvPr id="29" name="Curved Connector 28"/>
+            <p:cNvCxnSpPr/>
+            <p:nvPr/>
+          </p:nvCxnSpPr>
+          <p:spPr>
+            <a:xfrm rot="10800000" flipV="1">
+              <a:off x="8658809" y="1660008"/>
+              <a:ext cx="1795039" cy="1301841"/>
+            </a:xfrm>
+            <a:prstGeom prst="curvedConnector3">
+              <a:avLst>
+                <a:gd name="adj1" fmla="val 50000"/>
+              </a:avLst>
+            </a:prstGeom>
+            <a:ln w="19050">
+              <a:solidFill>
+                <a:schemeClr val="bg2">
+                  <a:lumMod val="50000"/>
+                </a:schemeClr>
+              </a:solidFill>
+              <a:tailEnd type="triangle"/>
+            </a:ln>
+          </p:spPr>
+          <p:style>
+            <a:lnRef idx="1">
+              <a:schemeClr val="accent1"/>
+            </a:lnRef>
+            <a:fillRef idx="0">
+              <a:schemeClr val="accent1"/>
+            </a:fillRef>
+            <a:effectRef idx="0">
+              <a:schemeClr val="accent1"/>
+            </a:effectRef>
+            <a:fontRef idx="minor">
+              <a:schemeClr val="tx1"/>
+            </a:fontRef>
+          </p:style>
+        </p:cxnSp>
+        <p:cxnSp>
+          <p:nvCxnSpPr>
+            <p:cNvPr id="38" name="Curved Connector 37"/>
+            <p:cNvCxnSpPr/>
+            <p:nvPr/>
+          </p:nvCxnSpPr>
+          <p:spPr>
+            <a:xfrm rot="10800000">
+              <a:off x="8976052" y="3843432"/>
+              <a:ext cx="1494049" cy="267776"/>
+            </a:xfrm>
+            <a:prstGeom prst="curvedConnector3">
+              <a:avLst>
+                <a:gd name="adj1" fmla="val 50000"/>
+              </a:avLst>
+            </a:prstGeom>
+            <a:ln w="19050">
+              <a:solidFill>
+                <a:schemeClr val="bg2">
+                  <a:lumMod val="50000"/>
+                </a:schemeClr>
+              </a:solidFill>
+              <a:tailEnd type="triangle"/>
+            </a:ln>
+          </p:spPr>
+          <p:style>
+            <a:lnRef idx="1">
+              <a:schemeClr val="accent1"/>
+            </a:lnRef>
+            <a:fillRef idx="0">
+              <a:schemeClr val="accent1"/>
+            </a:fillRef>
+            <a:effectRef idx="0">
+              <a:schemeClr val="accent1"/>
+            </a:effectRef>
+            <a:fontRef idx="minor">
+              <a:schemeClr val="tx1"/>
+            </a:fontRef>
+          </p:style>
+        </p:cxnSp>
+        <p:cxnSp>
+          <p:nvCxnSpPr>
+            <p:cNvPr id="41" name="Curved Connector 40"/>
+            <p:cNvCxnSpPr/>
+            <p:nvPr/>
+          </p:nvCxnSpPr>
+          <p:spPr>
+            <a:xfrm rot="10800000" flipV="1">
+              <a:off x="8976051" y="2719681"/>
+              <a:ext cx="1511558" cy="671779"/>
+            </a:xfrm>
+            <a:prstGeom prst="curvedConnector3">
+              <a:avLst/>
+            </a:prstGeom>
+            <a:ln w="19050">
+              <a:solidFill>
+                <a:schemeClr val="bg2">
+                  <a:lumMod val="50000"/>
+                </a:schemeClr>
+              </a:solidFill>
+              <a:tailEnd type="triangle"/>
+            </a:ln>
+          </p:spPr>
+          <p:style>
+            <a:lnRef idx="1">
+              <a:schemeClr val="accent1"/>
+            </a:lnRef>
+            <a:fillRef idx="0">
+              <a:schemeClr val="accent1"/>
+            </a:fillRef>
+            <a:effectRef idx="0">
+              <a:schemeClr val="accent1"/>
+            </a:effectRef>
+            <a:fontRef idx="minor">
+              <a:schemeClr val="tx1"/>
+            </a:fontRef>
+          </p:style>
+        </p:cxnSp>
+        <p:cxnSp>
+          <p:nvCxnSpPr>
+            <p:cNvPr id="43" name="Curved Connector 42"/>
+            <p:cNvCxnSpPr/>
+            <p:nvPr/>
+          </p:nvCxnSpPr>
+          <p:spPr>
+            <a:xfrm rot="10800000">
+              <a:off x="8778713" y="4184115"/>
+              <a:ext cx="1675132" cy="911824"/>
+            </a:xfrm>
+            <a:prstGeom prst="curvedConnector3">
+              <a:avLst/>
+            </a:prstGeom>
+            <a:ln w="19050">
+              <a:solidFill>
+                <a:schemeClr val="bg2">
+                  <a:lumMod val="50000"/>
+                </a:schemeClr>
+              </a:solidFill>
+              <a:tailEnd type="triangle"/>
+            </a:ln>
+          </p:spPr>
+          <p:style>
+            <a:lnRef idx="1">
+              <a:schemeClr val="accent1"/>
+            </a:lnRef>
+            <a:fillRef idx="0">
+              <a:schemeClr val="accent1"/>
+            </a:fillRef>
+            <a:effectRef idx="0">
+              <a:schemeClr val="accent1"/>
+            </a:effectRef>
+            <a:fontRef idx="minor">
+              <a:schemeClr val="tx1"/>
+            </a:fontRef>
+          </p:style>
+        </p:cxnSp>
+        <p:cxnSp>
+          <p:nvCxnSpPr>
+            <p:cNvPr id="49" name="Curved Connector 48"/>
+            <p:cNvCxnSpPr>
+              <a:endCxn id="11" idx="2"/>
+            </p:cNvCxnSpPr>
+            <p:nvPr/>
+          </p:nvCxnSpPr>
+          <p:spPr>
+            <a:xfrm rot="10800000">
+              <a:off x="8262257" y="4864876"/>
+              <a:ext cx="2191588" cy="1390929"/>
+            </a:xfrm>
+            <a:prstGeom prst="curvedConnector2">
+              <a:avLst/>
+            </a:prstGeom>
+            <a:ln w="19050">
+              <a:solidFill>
+                <a:schemeClr val="bg2">
+                  <a:lumMod val="50000"/>
+                </a:schemeClr>
+              </a:solidFill>
+              <a:tailEnd type="triangle"/>
+            </a:ln>
+          </p:spPr>
+          <p:style>
+            <a:lnRef idx="1">
+              <a:schemeClr val="accent1"/>
+            </a:lnRef>
+            <a:fillRef idx="0">
+              <a:schemeClr val="accent1"/>
+            </a:fillRef>
+            <a:effectRef idx="0">
+              <a:schemeClr val="accent1"/>
+            </a:effectRef>
+            <a:fontRef idx="minor">
+              <a:schemeClr val="tx1"/>
+            </a:fontRef>
+          </p:style>
+        </p:cxnSp>
+        <p:pic>
+          <p:nvPicPr>
+            <p:cNvPr id="1030" name="Picture 6" descr="Image result for Contribution icon"/>
+            <p:cNvPicPr>
+              <a:picLocks noChangeAspect="1" noChangeArrowheads="1"/>
+            </p:cNvPicPr>
+            <p:nvPr/>
+          </p:nvPicPr>
+          <p:blipFill>
+            <a:blip r:embed="rId5" cstate="print">
+              <a:extLst>
+                <a:ext uri="{28A0092B-C50C-407E-A947-70E740481C1C}">
+                  <a14:useLocalDpi xmlns:a14="http://schemas.microsoft.com/office/drawing/2010/main" val="0"/>
+                </a:ext>
+              </a:extLst>
+            </a:blip>
+            <a:srcRect/>
+            <a:stretch>
+              <a:fillRect/>
+            </a:stretch>
+          </p:blipFill>
+          <p:spPr bwMode="auto">
+            <a:xfrm>
+              <a:off x="10561324" y="234724"/>
+              <a:ext cx="588815" cy="588815"/>
+            </a:xfrm>
+            <a:prstGeom prst="rect">
+              <a:avLst/>
+            </a:prstGeom>
+            <a:noFill/>
+            <a:extLst>
+              <a:ext uri="{909E8E84-426E-40DD-AFC4-6F175D3DCCD1}">
+                <a14:hiddenFill xmlns:a14="http://schemas.microsoft.com/office/drawing/2010/main">
+                  <a:solidFill>
+                    <a:srgbClr val="FFFFFF"/>
+                  </a:solidFill>
+                </a14:hiddenFill>
+              </a:ext>
+            </a:extLst>
+          </p:spPr>
+        </p:pic>
+        <p:pic>
+          <p:nvPicPr>
+            <p:cNvPr id="1032" name="Picture 8" descr="Image result for NGO icon"/>
+            <p:cNvPicPr>
+              <a:picLocks noChangeAspect="1" noChangeArrowheads="1"/>
+            </p:cNvPicPr>
+            <p:nvPr/>
+          </p:nvPicPr>
+          <p:blipFill rotWithShape="1">
+            <a:blip r:embed="rId6" cstate="print">
+              <a:extLst>
+                <a:ext uri="{BEBA8EAE-BF5A-486C-A8C5-ECC9F3942E4B}">
+                  <a14:imgProps xmlns:a14="http://schemas.microsoft.com/office/drawing/2010/main">
+                    <a14:imgLayer r:embed="rId7">
+                      <a14:imgEffect>
+                        <a14:backgroundRemoval t="19935" b="80229" l="20425" r="78758">
+                          <a14:foregroundMark x1="20425" y1="68464" x2="20425" y2="68464"/>
+                          <a14:foregroundMark x1="59477" y1="65523" x2="59477" y2="65523"/>
+                          <a14:foregroundMark x1="66667" y1="64052" x2="66667" y2="64052"/>
+                          <a14:foregroundMark x1="63889" y1="37745" x2="63889" y2="37745"/>
+                          <a14:foregroundMark x1="48693" y1="33333" x2="48693" y2="33333"/>
+                          <a14:foregroundMark x1="67974" y1="36111" x2="67974" y2="36111"/>
+                          <a14:foregroundMark x1="68954" y1="20261" x2="68954" y2="20261"/>
+                          <a14:foregroundMark x1="37582" y1="78268" x2="37582" y2="78268"/>
+                          <a14:foregroundMark x1="25000" y1="80392" x2="25000" y2="80392"/>
+                          <a14:foregroundMark x1="78758" y1="66503" x2="78758" y2="66503"/>
+                        </a14:backgroundRemoval>
+                      </a14:imgEffect>
+                    </a14:imgLayer>
+                  </a14:imgProps>
+                </a:ext>
+                <a:ext uri="{28A0092B-C50C-407E-A947-70E740481C1C}">
+                  <a14:useLocalDpi xmlns:a14="http://schemas.microsoft.com/office/drawing/2010/main" val="0"/>
+                </a:ext>
+              </a:extLst>
+            </a:blip>
+            <a:srcRect l="16690" t="16787" r="16795" b="16697"/>
+            <a:stretch/>
+          </p:blipFill>
+          <p:spPr bwMode="auto">
+            <a:xfrm>
+              <a:off x="10563123" y="1357861"/>
+              <a:ext cx="585216" cy="585216"/>
+            </a:xfrm>
+            <a:prstGeom prst="rect">
+              <a:avLst/>
+            </a:prstGeom>
+            <a:noFill/>
+            <a:scene3d>
+              <a:camera prst="perspectiveHeroicExtremeLeftFacing"/>
+              <a:lightRig rig="threePt" dir="t"/>
+            </a:scene3d>
+            <a:extLst>
+              <a:ext uri="{909E8E84-426E-40DD-AFC4-6F175D3DCCD1}">
+                <a14:hiddenFill xmlns:a14="http://schemas.microsoft.com/office/drawing/2010/main">
+                  <a:solidFill>
+                    <a:srgbClr val="FFFFFF"/>
+                  </a:solidFill>
+                </a14:hiddenFill>
+              </a:ext>
+            </a:extLst>
+          </p:spPr>
+        </p:pic>
+        <p:pic>
+          <p:nvPicPr>
+            <p:cNvPr id="1034" name="Picture 10" descr="Image result for Awareness icon"/>
+            <p:cNvPicPr>
+              <a:picLocks noChangeAspect="1" noChangeArrowheads="1"/>
+            </p:cNvPicPr>
+            <p:nvPr/>
+          </p:nvPicPr>
+          <p:blipFill>
+            <a:blip r:embed="rId8" cstate="print">
+              <a:extLst>
+                <a:ext uri="{28A0092B-C50C-407E-A947-70E740481C1C}">
+                  <a14:useLocalDpi xmlns:a14="http://schemas.microsoft.com/office/drawing/2010/main" val="0"/>
+                </a:ext>
+              </a:extLst>
+            </a:blip>
+            <a:srcRect/>
+            <a:stretch>
+              <a:fillRect/>
+            </a:stretch>
+          </p:blipFill>
+          <p:spPr bwMode="auto">
+            <a:xfrm>
+              <a:off x="10576684" y="2470631"/>
+              <a:ext cx="585216" cy="585216"/>
+            </a:xfrm>
+            <a:prstGeom prst="rect">
+              <a:avLst/>
+            </a:prstGeom>
+            <a:noFill/>
+            <a:extLst>
+              <a:ext uri="{909E8E84-426E-40DD-AFC4-6F175D3DCCD1}">
+                <a14:hiddenFill xmlns:a14="http://schemas.microsoft.com/office/drawing/2010/main">
+                  <a:solidFill>
+                    <a:srgbClr val="FFFFFF"/>
+                  </a:solidFill>
+                </a14:hiddenFill>
+              </a:ext>
+            </a:extLst>
+          </p:spPr>
+        </p:pic>
+        <p:pic>
+          <p:nvPicPr>
+            <p:cNvPr id="1036" name="Picture 12" descr="Image result for reward icon"/>
+            <p:cNvPicPr>
+              <a:picLocks noChangeAspect="1" noChangeArrowheads="1"/>
+            </p:cNvPicPr>
+            <p:nvPr/>
+          </p:nvPicPr>
+          <p:blipFill>
+            <a:blip r:embed="rId9" cstate="print">
+              <a:extLst>
+                <a:ext uri="{28A0092B-C50C-407E-A947-70E740481C1C}">
+                  <a14:useLocalDpi xmlns:a14="http://schemas.microsoft.com/office/drawing/2010/main" val="0"/>
+                </a:ext>
+              </a:extLst>
+            </a:blip>
+            <a:srcRect/>
+            <a:stretch>
+              <a:fillRect/>
+            </a:stretch>
+          </p:blipFill>
+          <p:spPr bwMode="auto">
+            <a:xfrm>
+              <a:off x="10643482" y="3651977"/>
+              <a:ext cx="424497" cy="585216"/>
+            </a:xfrm>
+            <a:prstGeom prst="rect">
+              <a:avLst/>
+            </a:prstGeom>
+            <a:noFill/>
+            <a:scene3d>
+              <a:camera prst="perspectiveHeroicExtremeLeftFacing"/>
+              <a:lightRig rig="threePt" dir="t"/>
+            </a:scene3d>
+            <a:extLst>
+              <a:ext uri="{909E8E84-426E-40DD-AFC4-6F175D3DCCD1}">
+                <a14:hiddenFill xmlns:a14="http://schemas.microsoft.com/office/drawing/2010/main">
+                  <a:solidFill>
+                    <a:srgbClr val="FFFFFF"/>
+                  </a:solidFill>
+                </a14:hiddenFill>
+              </a:ext>
+            </a:extLst>
+          </p:spPr>
+        </p:pic>
+        <p:pic>
+          <p:nvPicPr>
+            <p:cNvPr id="1038" name="Picture 14" descr="Image result for biometric icon"/>
+            <p:cNvPicPr>
+              <a:picLocks noChangeAspect="1" noChangeArrowheads="1"/>
+            </p:cNvPicPr>
+            <p:nvPr/>
+          </p:nvPicPr>
+          <p:blipFill>
+            <a:blip r:embed="rId10" cstate="print">
+              <a:extLst>
+                <a:ext uri="{28A0092B-C50C-407E-A947-70E740481C1C}">
+                  <a14:useLocalDpi xmlns:a14="http://schemas.microsoft.com/office/drawing/2010/main" val="0"/>
+                </a:ext>
+              </a:extLst>
+            </a:blip>
+            <a:srcRect/>
+            <a:stretch>
+              <a:fillRect/>
+            </a:stretch>
+          </p:blipFill>
+          <p:spPr bwMode="auto">
+            <a:xfrm>
+              <a:off x="10557788" y="4818108"/>
+              <a:ext cx="585216" cy="585216"/>
+            </a:xfrm>
+            <a:prstGeom prst="rect">
+              <a:avLst/>
+            </a:prstGeom>
+            <a:noFill/>
+            <a:scene3d>
+              <a:camera prst="perspectiveHeroicExtremeLeftFacing"/>
+              <a:lightRig rig="threePt" dir="t"/>
+            </a:scene3d>
+            <a:extLst>
+              <a:ext uri="{909E8E84-426E-40DD-AFC4-6F175D3DCCD1}">
+                <a14:hiddenFill xmlns:a14="http://schemas.microsoft.com/office/drawing/2010/main">
+                  <a:solidFill>
+                    <a:srgbClr val="FFFFFF"/>
+                  </a:solidFill>
+                </a14:hiddenFill>
+              </a:ext>
+            </a:extLst>
+          </p:spPr>
+        </p:pic>
+        <p:pic>
+          <p:nvPicPr>
+            <p:cNvPr id="1040" name="Picture 16" descr="Image result for share icon"/>
+            <p:cNvPicPr>
+              <a:picLocks noChangeAspect="1" noChangeArrowheads="1"/>
+            </p:cNvPicPr>
+            <p:nvPr/>
+          </p:nvPicPr>
+          <p:blipFill>
+            <a:blip r:embed="rId11" cstate="print">
+              <a:extLst>
+                <a:ext uri="{28A0092B-C50C-407E-A947-70E740481C1C}">
+                  <a14:useLocalDpi xmlns:a14="http://schemas.microsoft.com/office/drawing/2010/main" val="0"/>
+                </a:ext>
+              </a:extLst>
+            </a:blip>
+            <a:srcRect/>
+            <a:stretch>
+              <a:fillRect/>
+            </a:stretch>
+          </p:blipFill>
+          <p:spPr bwMode="auto">
+            <a:xfrm>
+              <a:off x="10557788" y="5959835"/>
+              <a:ext cx="585216" cy="585216"/>
+            </a:xfrm>
+            <a:prstGeom prst="rect">
+              <a:avLst/>
+            </a:prstGeom>
+            <a:noFill/>
+            <a:scene3d>
+              <a:camera prst="perspectiveHeroicExtremeLeftFacing"/>
+              <a:lightRig rig="threePt" dir="t"/>
+            </a:scene3d>
+            <a:extLst>
+              <a:ext uri="{909E8E84-426E-40DD-AFC4-6F175D3DCCD1}">
+                <a14:hiddenFill xmlns:a14="http://schemas.microsoft.com/office/drawing/2010/main">
+                  <a:solidFill>
+                    <a:srgbClr val="FFFFFF"/>
+                  </a:solidFill>
+                </a14:hiddenFill>
+              </a:ext>
+            </a:extLst>
+          </p:spPr>
+        </p:pic>
+        <p:sp>
+          <p:nvSpPr>
+            <p:cNvPr id="63" name="Rectangle 62"/>
+            <p:cNvSpPr/>
+            <p:nvPr/>
+          </p:nvSpPr>
+          <p:spPr>
+            <a:xfrm>
+              <a:off x="296642" y="1884080"/>
+              <a:ext cx="1604865" cy="643812"/>
+            </a:xfrm>
+            <a:prstGeom prst="rect">
+              <a:avLst/>
+            </a:prstGeom>
+            <a:solidFill>
+              <a:schemeClr val="bg1">
+                <a:lumMod val="85000"/>
+              </a:schemeClr>
+            </a:solidFill>
+            <a:ln w="28575">
+              <a:solidFill>
+                <a:schemeClr val="bg1"/>
+              </a:solidFill>
+              <a:prstDash val="lgDash"/>
+            </a:ln>
+            <a:effectLst>
+              <a:outerShdw blurRad="50800" dist="38100" algn="l" rotWithShape="0">
+                <a:prstClr val="black">
+                  <a:alpha val="40000"/>
+                </a:prstClr>
+              </a:outerShdw>
+            </a:effectLst>
+            <a:scene3d>
+              <a:camera prst="perspectiveContrastingRightFacing"/>
+              <a:lightRig rig="threePt" dir="t"/>
+            </a:scene3d>
+          </p:spPr>
+          <p:style>
+            <a:lnRef idx="2">
+              <a:schemeClr val="accent1">
+                <a:shade val="50000"/>
+              </a:schemeClr>
+            </a:lnRef>
+            <a:fillRef idx="1">
+              <a:schemeClr val="accent1"/>
+            </a:fillRef>
+            <a:effectRef idx="0">
+              <a:schemeClr val="accent1"/>
+            </a:effectRef>
+            <a:fontRef idx="minor">
+              <a:schemeClr val="lt1"/>
+            </a:fontRef>
+          </p:style>
+          <p:txBody>
+            <a:bodyPr rtlCol="0" anchor="ctr"/>
+            <a:lstStyle/>
+            <a:p>
+              <a:pPr algn="r"/>
+              <a:r>
+                <a:rPr lang="en-US" sz="1400" dirty="0" smtClean="0">
+                  <a:solidFill>
+                    <a:schemeClr val="bg2">
+                      <a:lumMod val="25000"/>
+                    </a:schemeClr>
+                  </a:solidFill>
+                </a:rPr>
+                <a:t>Details about NGOs and charities</a:t>
+              </a:r>
+              <a:endParaRPr lang="en-US" sz="1400" dirty="0">
+                <a:solidFill>
+                  <a:schemeClr val="bg2">
+                    <a:lumMod val="25000"/>
+                  </a:schemeClr>
+                </a:solidFill>
+              </a:endParaRPr>
+            </a:p>
+          </p:txBody>
+        </p:sp>
+        <p:sp>
+          <p:nvSpPr>
+            <p:cNvPr id="64" name="Rectangle 63"/>
+            <p:cNvSpPr/>
+            <p:nvPr/>
+          </p:nvSpPr>
+          <p:spPr>
+            <a:xfrm>
+              <a:off x="425665" y="3015428"/>
+              <a:ext cx="1604865" cy="643812"/>
+            </a:xfrm>
+            <a:prstGeom prst="rect">
+              <a:avLst/>
+            </a:prstGeom>
+            <a:solidFill>
+              <a:schemeClr val="bg1">
+                <a:lumMod val="85000"/>
+              </a:schemeClr>
+            </a:solidFill>
+            <a:ln w="28575">
+              <a:solidFill>
+                <a:schemeClr val="bg1"/>
+              </a:solidFill>
+              <a:prstDash val="lgDash"/>
+            </a:ln>
+            <a:effectLst>
+              <a:outerShdw blurRad="50800" dist="38100" algn="l" rotWithShape="0">
+                <a:prstClr val="black">
+                  <a:alpha val="40000"/>
+                </a:prstClr>
+              </a:outerShdw>
+            </a:effectLst>
+            <a:scene3d>
+              <a:camera prst="perspectiveContrastingRightFacing"/>
+              <a:lightRig rig="threePt" dir="t"/>
+            </a:scene3d>
+          </p:spPr>
+          <p:style>
+            <a:lnRef idx="2">
+              <a:schemeClr val="accent1">
+                <a:shade val="50000"/>
+              </a:schemeClr>
+            </a:lnRef>
+            <a:fillRef idx="1">
+              <a:schemeClr val="accent1"/>
+            </a:fillRef>
+            <a:effectRef idx="0">
+              <a:schemeClr val="accent1"/>
+            </a:effectRef>
+            <a:fontRef idx="minor">
+              <a:schemeClr val="lt1"/>
+            </a:fontRef>
+          </p:style>
+          <p:txBody>
+            <a:bodyPr rtlCol="0" anchor="ctr"/>
+            <a:lstStyle/>
+            <a:p>
+              <a:pPr algn="r"/>
+              <a:r>
+                <a:rPr lang="en-US" sz="1400" dirty="0" smtClean="0">
+                  <a:solidFill>
+                    <a:schemeClr val="bg2">
+                      <a:lumMod val="25000"/>
+                    </a:schemeClr>
+                  </a:solidFill>
+                </a:rPr>
+                <a:t>User and their contribution details</a:t>
+              </a:r>
+              <a:endParaRPr lang="en-US" sz="1400" dirty="0">
+                <a:solidFill>
+                  <a:schemeClr val="bg2">
+                    <a:lumMod val="25000"/>
+                  </a:schemeClr>
+                </a:solidFill>
+              </a:endParaRPr>
+            </a:p>
+          </p:txBody>
+        </p:sp>
+        <p:sp>
+          <p:nvSpPr>
+            <p:cNvPr id="65" name="Rectangle 64"/>
+            <p:cNvSpPr/>
+            <p:nvPr/>
+          </p:nvSpPr>
+          <p:spPr>
+            <a:xfrm>
+              <a:off x="425665" y="4146776"/>
+              <a:ext cx="1604865" cy="643812"/>
+            </a:xfrm>
+            <a:prstGeom prst="rect">
+              <a:avLst/>
+            </a:prstGeom>
+            <a:solidFill>
+              <a:schemeClr val="bg1">
+                <a:lumMod val="85000"/>
+              </a:schemeClr>
+            </a:solidFill>
+            <a:ln w="28575">
+              <a:solidFill>
+                <a:schemeClr val="bg1"/>
+              </a:solidFill>
+              <a:prstDash val="lgDash"/>
+            </a:ln>
+            <a:effectLst>
+              <a:outerShdw blurRad="50800" dist="38100" algn="l" rotWithShape="0">
+                <a:prstClr val="black">
+                  <a:alpha val="40000"/>
+                </a:prstClr>
+              </a:outerShdw>
+            </a:effectLst>
+            <a:scene3d>
+              <a:camera prst="perspectiveContrastingRightFacing"/>
+              <a:lightRig rig="threePt" dir="t"/>
+            </a:scene3d>
+          </p:spPr>
+          <p:style>
+            <a:lnRef idx="2">
+              <a:schemeClr val="accent1">
+                <a:shade val="50000"/>
+              </a:schemeClr>
+            </a:lnRef>
+            <a:fillRef idx="1">
+              <a:schemeClr val="accent1"/>
+            </a:fillRef>
+            <a:effectRef idx="0">
+              <a:schemeClr val="accent1"/>
+            </a:effectRef>
+            <a:fontRef idx="minor">
+              <a:schemeClr val="lt1"/>
+            </a:fontRef>
+          </p:style>
+          <p:txBody>
+            <a:bodyPr rtlCol="0" anchor="ctr"/>
+            <a:lstStyle/>
+            <a:p>
+              <a:pPr algn="r"/>
+              <a:r>
+                <a:rPr lang="en-US" sz="1400" dirty="0" smtClean="0">
+                  <a:solidFill>
+                    <a:schemeClr val="bg2">
+                      <a:lumMod val="25000"/>
+                    </a:schemeClr>
+                  </a:solidFill>
+                </a:rPr>
+                <a:t>Shelter and Food details</a:t>
+              </a:r>
+              <a:endParaRPr lang="en-US" sz="1400" dirty="0">
+                <a:solidFill>
+                  <a:schemeClr val="bg2">
+                    <a:lumMod val="25000"/>
+                  </a:schemeClr>
+                </a:solidFill>
+              </a:endParaRPr>
+            </a:p>
+          </p:txBody>
+        </p:sp>
+        <p:sp>
+          <p:nvSpPr>
+            <p:cNvPr id="66" name="Rectangle 65"/>
+            <p:cNvSpPr/>
+            <p:nvPr/>
+          </p:nvSpPr>
+          <p:spPr>
+            <a:xfrm>
+              <a:off x="449041" y="5278124"/>
+              <a:ext cx="1604865" cy="643812"/>
+            </a:xfrm>
+            <a:prstGeom prst="rect">
+              <a:avLst/>
+            </a:prstGeom>
+            <a:solidFill>
+              <a:schemeClr val="bg1">
+                <a:lumMod val="85000"/>
+              </a:schemeClr>
+            </a:solidFill>
+            <a:ln w="28575">
+              <a:solidFill>
+                <a:schemeClr val="bg1"/>
+              </a:solidFill>
+              <a:prstDash val="lgDash"/>
+            </a:ln>
+            <a:effectLst>
+              <a:outerShdw blurRad="50800" dist="38100" algn="l" rotWithShape="0">
+                <a:prstClr val="black">
+                  <a:alpha val="40000"/>
+                </a:prstClr>
+              </a:outerShdw>
+            </a:effectLst>
+            <a:scene3d>
+              <a:camera prst="perspectiveContrastingRightFacing"/>
+              <a:lightRig rig="threePt" dir="t"/>
+            </a:scene3d>
+          </p:spPr>
+          <p:style>
+            <a:lnRef idx="2">
+              <a:schemeClr val="accent1">
+                <a:shade val="50000"/>
+              </a:schemeClr>
+            </a:lnRef>
+            <a:fillRef idx="1">
+              <a:schemeClr val="accent1"/>
+            </a:fillRef>
+            <a:effectRef idx="0">
+              <a:schemeClr val="accent1"/>
+            </a:effectRef>
+            <a:fontRef idx="minor">
+              <a:schemeClr val="lt1"/>
+            </a:fontRef>
+          </p:style>
+          <p:txBody>
+            <a:bodyPr rtlCol="0" anchor="ctr"/>
+            <a:lstStyle/>
+            <a:p>
+              <a:pPr algn="r"/>
+              <a:r>
+                <a:rPr lang="en-US" sz="1400" dirty="0" smtClean="0">
+                  <a:solidFill>
+                    <a:schemeClr val="bg2">
+                      <a:lumMod val="25000"/>
+                    </a:schemeClr>
+                  </a:solidFill>
+                </a:rPr>
+                <a:t>Registered homeless people details</a:t>
+              </a:r>
+              <a:endParaRPr lang="en-US" sz="1400" dirty="0">
+                <a:solidFill>
+                  <a:schemeClr val="bg2">
+                    <a:lumMod val="25000"/>
+                  </a:schemeClr>
+                </a:solidFill>
+              </a:endParaRPr>
+            </a:p>
+          </p:txBody>
+        </p:sp>
+        <p:cxnSp>
+          <p:nvCxnSpPr>
+            <p:cNvPr id="56" name="Curved Connector 55"/>
+            <p:cNvCxnSpPr/>
+            <p:nvPr/>
+          </p:nvCxnSpPr>
+          <p:spPr>
+            <a:xfrm>
+              <a:off x="1811311" y="2154069"/>
+              <a:ext cx="1538379" cy="807780"/>
+            </a:xfrm>
+            <a:prstGeom prst="curvedConnector3">
+              <a:avLst>
+                <a:gd name="adj1" fmla="val 50000"/>
+              </a:avLst>
+            </a:prstGeom>
+            <a:ln w="19050">
+              <a:solidFill>
+                <a:schemeClr val="bg2">
+                  <a:lumMod val="50000"/>
+                </a:schemeClr>
+              </a:solidFill>
+              <a:tailEnd type="triangle"/>
+            </a:ln>
+          </p:spPr>
+          <p:style>
+            <a:lnRef idx="1">
+              <a:schemeClr val="accent1"/>
+            </a:lnRef>
+            <a:fillRef idx="0">
+              <a:schemeClr val="accent1"/>
+            </a:fillRef>
+            <a:effectRef idx="0">
+              <a:schemeClr val="accent1"/>
+            </a:effectRef>
+            <a:fontRef idx="minor">
+              <a:schemeClr val="tx1"/>
+            </a:fontRef>
+          </p:style>
+        </p:cxnSp>
+        <p:cxnSp>
+          <p:nvCxnSpPr>
+            <p:cNvPr id="60" name="Curved Connector 59"/>
+            <p:cNvCxnSpPr/>
+            <p:nvPr/>
+          </p:nvCxnSpPr>
+          <p:spPr>
+            <a:xfrm flipV="1">
+              <a:off x="1811311" y="4304738"/>
+              <a:ext cx="1538379" cy="1321621"/>
+            </a:xfrm>
+            <a:prstGeom prst="curvedConnector3">
+              <a:avLst/>
+            </a:prstGeom>
+            <a:ln w="19050">
+              <a:solidFill>
+                <a:schemeClr val="bg2">
+                  <a:lumMod val="50000"/>
+                </a:schemeClr>
+              </a:solidFill>
+              <a:tailEnd type="triangle"/>
+            </a:ln>
+          </p:spPr>
+          <p:style>
+            <a:lnRef idx="1">
+              <a:schemeClr val="accent1"/>
+            </a:lnRef>
+            <a:fillRef idx="0">
+              <a:schemeClr val="accent1"/>
+            </a:fillRef>
+            <a:effectRef idx="0">
+              <a:schemeClr val="accent1"/>
+            </a:effectRef>
+            <a:fontRef idx="minor">
+              <a:schemeClr val="tx1"/>
+            </a:fontRef>
+          </p:style>
+        </p:cxnSp>
+        <p:cxnSp>
+          <p:nvCxnSpPr>
+            <p:cNvPr id="62" name="Straight Arrow Connector 61"/>
+            <p:cNvCxnSpPr/>
+            <p:nvPr/>
+          </p:nvCxnSpPr>
+          <p:spPr>
+            <a:xfrm>
+              <a:off x="1898034" y="3210712"/>
+              <a:ext cx="1261658" cy="124032"/>
+            </a:xfrm>
+            <a:prstGeom prst="straightConnector1">
+              <a:avLst/>
+            </a:prstGeom>
+            <a:ln w="19050">
+              <a:solidFill>
+                <a:schemeClr val="bg2">
+                  <a:lumMod val="50000"/>
+                </a:schemeClr>
+              </a:solidFill>
+              <a:tailEnd type="triangle"/>
+            </a:ln>
+          </p:spPr>
+          <p:style>
+            <a:lnRef idx="1">
+              <a:schemeClr val="accent1"/>
+            </a:lnRef>
+            <a:fillRef idx="0">
+              <a:schemeClr val="accent1"/>
+            </a:fillRef>
+            <a:effectRef idx="0">
+              <a:schemeClr val="accent1"/>
+            </a:effectRef>
+            <a:fontRef idx="minor">
+              <a:schemeClr val="tx1"/>
+            </a:fontRef>
+          </p:style>
+        </p:cxnSp>
+        <p:cxnSp>
+          <p:nvCxnSpPr>
+            <p:cNvPr id="68" name="Straight Arrow Connector 67"/>
+            <p:cNvCxnSpPr/>
+            <p:nvPr/>
+          </p:nvCxnSpPr>
+          <p:spPr>
+            <a:xfrm flipV="1">
+              <a:off x="1901507" y="3867731"/>
+              <a:ext cx="1258214" cy="485203"/>
+            </a:xfrm>
+            <a:prstGeom prst="straightConnector1">
+              <a:avLst/>
+            </a:prstGeom>
+            <a:ln w="19050">
+              <a:solidFill>
+                <a:schemeClr val="bg2">
+                  <a:lumMod val="50000"/>
+                </a:schemeClr>
+              </a:solidFill>
+              <a:tailEnd type="triangle"/>
+            </a:ln>
+          </p:spPr>
+          <p:style>
+            <a:lnRef idx="1">
+              <a:schemeClr val="accent1"/>
+            </a:lnRef>
+            <a:fillRef idx="0">
+              <a:schemeClr val="accent1"/>
+            </a:fillRef>
+            <a:effectRef idx="0">
+              <a:schemeClr val="accent1"/>
+            </a:effectRef>
+            <a:fontRef idx="minor">
+              <a:schemeClr val="tx1"/>
+            </a:fontRef>
+          </p:style>
+        </p:cxnSp>
+        <p:pic>
+          <p:nvPicPr>
+            <p:cNvPr id="1042" name="Picture 18" descr="Image result for homelessness icon"/>
+            <p:cNvPicPr>
+              <a:picLocks noChangeAspect="1" noChangeArrowheads="1"/>
+            </p:cNvPicPr>
+            <p:nvPr/>
+          </p:nvPicPr>
+          <p:blipFill>
+            <a:blip r:embed="rId12">
+              <a:extLst>
+                <a:ext uri="{28A0092B-C50C-407E-A947-70E740481C1C}">
+                  <a14:useLocalDpi xmlns:a14="http://schemas.microsoft.com/office/drawing/2010/main" val="0"/>
+                </a:ext>
+              </a:extLst>
+            </a:blip>
+            <a:srcRect/>
+            <a:stretch>
+              <a:fillRect/>
+            </a:stretch>
+          </p:blipFill>
+          <p:spPr bwMode="auto">
+            <a:xfrm>
+              <a:off x="4955070" y="3145062"/>
+              <a:ext cx="2275403" cy="1231029"/>
+            </a:xfrm>
+            <a:prstGeom prst="rect">
+              <a:avLst/>
+            </a:prstGeom>
+            <a:noFill/>
+            <a:extLst>
+              <a:ext uri="{909E8E84-426E-40DD-AFC4-6F175D3DCCD1}">
+                <a14:hiddenFill xmlns:a14="http://schemas.microsoft.com/office/drawing/2010/main">
+                  <a:solidFill>
+                    <a:srgbClr val="FFFFFF"/>
+                  </a:solidFill>
+                </a14:hiddenFill>
+              </a:ext>
+            </a:extLst>
+          </p:spPr>
+        </p:pic>
+      </p:grpSp>
+    </p:spTree>
+    <p:extLst>
+      <p:ext uri="{BB962C8B-B14F-4D97-AF65-F5344CB8AC3E}">
+        <p14:creationId xmlns:p14="http://schemas.microsoft.com/office/powerpoint/2010/main" val="1032393225"/>
+      </p:ext>
+    </p:extLst>
+  </p:cSld>
+  <p:clrMapOvr>
+    <a:masterClrMapping/>
+  </p:clrMapOvr>
+  <p:timing>
+    <p:tnLst>
+      <p:par>
+        <p:cTn id="1" dur="indefinite" restart="never" nodeType="tmRoot"/>
+      </p:par>
+    </p:tnLst>
+  </p:timing>
+</p:sld>
+</file>
+
+<file path=ppt/slides/slide4.xml><?xml version="1.0" encoding="utf-8"?>
+<p:sld xmlns:a="http://schemas.openxmlformats.org/drawingml/2006/main" xmlns:r="http://schemas.openxmlformats.org/officeDocument/2006/relationships" xmlns:p="http://schemas.openxmlformats.org/presentationml/2006/main">
+  <p:cSld>
+    <p:spTree>
+      <p:nvGrpSpPr>
+        <p:cNvPr id="1" name=""/>
+        <p:cNvGrpSpPr/>
+        <p:nvPr/>
+      </p:nvGrpSpPr>
+      <p:grpSpPr>
+        <a:xfrm>
+          <a:off x="0" y="0"/>
+          <a:ext cx="0" cy="0"/>
+          <a:chOff x="0" y="0"/>
+          <a:chExt cx="0" cy="0"/>
+        </a:xfrm>
+      </p:grpSpPr>
+      <p:grpSp>
+        <p:nvGrpSpPr>
+          <p:cNvPr id="3" name="Group 2"/>
+          <p:cNvGrpSpPr/>
+          <p:nvPr/>
+        </p:nvGrpSpPr>
+        <p:grpSpPr>
+          <a:xfrm>
+            <a:off x="0" y="0"/>
+            <a:ext cx="12192000" cy="6866626"/>
+            <a:chOff x="0" y="0"/>
+            <a:chExt cx="12192000" cy="6866626"/>
+          </a:xfrm>
+        </p:grpSpPr>
+        <p:sp>
+          <p:nvSpPr>
+            <p:cNvPr id="4" name="Rectangle 3"/>
+            <p:cNvSpPr/>
+            <p:nvPr/>
+          </p:nvSpPr>
+          <p:spPr>
+            <a:xfrm>
+              <a:off x="0" y="0"/>
+              <a:ext cx="12192000" cy="6858000"/>
+            </a:xfrm>
+            <a:prstGeom prst="rect">
+              <a:avLst/>
+            </a:prstGeom>
+            <a:blipFill dpi="0" rotWithShape="1">
+              <a:blip r:embed="rId2">
+                <a:alphaModFix amt="25000"/>
+                <a:extLst>
+                  <a:ext uri="{28A0092B-C50C-407E-A947-70E740481C1C}">
+                    <a14:useLocalDpi xmlns:a14="http://schemas.microsoft.com/office/drawing/2010/main" val="0"/>
+                  </a:ext>
+                </a:extLst>
+              </a:blip>
+              <a:srcRect/>
+              <a:stretch>
+                <a:fillRect/>
+              </a:stretch>
+            </a:blipFill>
+          </p:spPr>
+          <p:style>
+            <a:lnRef idx="2">
+              <a:schemeClr val="accent1">
+                <a:shade val="50000"/>
+              </a:schemeClr>
+            </a:lnRef>
+            <a:fillRef idx="1">
+              <a:schemeClr val="accent1"/>
+            </a:fillRef>
+            <a:effectRef idx="0">
+              <a:schemeClr val="accent1"/>
+            </a:effectRef>
+            <a:fontRef idx="minor">
+              <a:schemeClr val="lt1"/>
+            </a:fontRef>
+          </p:style>
+          <p:txBody>
+            <a:bodyPr rtlCol="0" anchor="ctr"/>
+            <a:lstStyle/>
+            <a:p>
+              <a:pPr algn="ctr"/>
+              <a:endParaRPr lang="en-US">
+                <a:ln w="0"/>
+                <a:solidFill>
+                  <a:schemeClr val="tx1"/>
+                </a:solidFill>
+                <a:effectLst>
+                  <a:outerShdw blurRad="38100" dist="19050" dir="2700000" algn="tl" rotWithShape="0">
+                    <a:schemeClr val="dk1">
+                      <a:alpha val="40000"/>
+                    </a:schemeClr>
+                  </a:outerShdw>
+                </a:effectLst>
+              </a:endParaRPr>
+            </a:p>
+          </p:txBody>
+        </p:sp>
+        <p:sp>
+          <p:nvSpPr>
+            <p:cNvPr id="2" name="TextBox 1"/>
+            <p:cNvSpPr txBox="1"/>
+            <p:nvPr/>
+          </p:nvSpPr>
+          <p:spPr>
+            <a:xfrm>
+              <a:off x="828135" y="146648"/>
+              <a:ext cx="3847382" cy="646331"/>
+            </a:xfrm>
+            <a:prstGeom prst="rect">
+              <a:avLst/>
+            </a:prstGeom>
+            <a:noFill/>
+            <a:ln>
+              <a:solidFill>
+                <a:schemeClr val="bg1">
+                  <a:lumMod val="75000"/>
+                </a:schemeClr>
+              </a:solidFill>
+            </a:ln>
+          </p:spPr>
+          <p:txBody>
+            <a:bodyPr wrap="square" rtlCol="0">
+              <a:spAutoFit/>
+            </a:bodyPr>
+            <a:lstStyle/>
+            <a:p>
+              <a:r>
+                <a:rPr lang="en-US" sz="3600" b="1" dirty="0" smtClean="0">
+                  <a:latin typeface="Adobe Song Std L" panose="02020300000000000000" pitchFamily="18" charset="-128"/>
+                  <a:ea typeface="Adobe Song Std L" panose="02020300000000000000" pitchFamily="18" charset="-128"/>
+                </a:rPr>
+                <a:t>User Contribution</a:t>
+              </a:r>
+              <a:endParaRPr lang="en-US" sz="3600" b="1" dirty="0">
+                <a:latin typeface="Adobe Song Std L" panose="02020300000000000000" pitchFamily="18" charset="-128"/>
+                <a:ea typeface="Adobe Song Std L" panose="02020300000000000000" pitchFamily="18" charset="-128"/>
+              </a:endParaRPr>
+            </a:p>
+          </p:txBody>
+        </p:sp>
+        <p:sp>
+          <p:nvSpPr>
+            <p:cNvPr id="5" name="Oval 4"/>
+            <p:cNvSpPr/>
+            <p:nvPr/>
+          </p:nvSpPr>
+          <p:spPr>
+            <a:xfrm>
+              <a:off x="2028645" y="896494"/>
+              <a:ext cx="8134709" cy="5970132"/>
+            </a:xfrm>
+            <a:prstGeom prst="ellipse">
+              <a:avLst/>
+            </a:prstGeom>
+            <a:solidFill>
+              <a:schemeClr val="bg1">
+                <a:alpha val="55000"/>
+              </a:schemeClr>
+            </a:solidFill>
+            <a:ln>
+              <a:solidFill>
+                <a:srgbClr val="D1D1D1"/>
+              </a:solidFill>
+            </a:ln>
+          </p:spPr>
+          <p:style>
+            <a:lnRef idx="2">
+              <a:schemeClr val="accent1">
+                <a:shade val="50000"/>
+              </a:schemeClr>
+            </a:lnRef>
+            <a:fillRef idx="1">
+              <a:schemeClr val="accent1"/>
+            </a:fillRef>
+            <a:effectRef idx="0">
+              <a:schemeClr val="accent1"/>
+            </a:effectRef>
+            <a:fontRef idx="minor">
+              <a:schemeClr val="lt1"/>
+            </a:fontRef>
+          </p:style>
+          <p:txBody>
+            <a:bodyPr rtlCol="0" anchor="ctr"/>
+            <a:lstStyle/>
+            <a:p>
+              <a:pPr marL="285750" indent="-285750">
+                <a:buFont typeface="Arial" panose="020B0604020202020204" pitchFamily="34" charset="0"/>
+                <a:buChar char="•"/>
+              </a:pPr>
+              <a:r>
+                <a:rPr lang="en-IN" dirty="0" smtClean="0">
+                  <a:solidFill>
+                    <a:schemeClr val="tx1"/>
+                  </a:solidFill>
+                </a:rPr>
+                <a:t>Enables Users to Contribute in terms of Monetary and Ideas.</a:t>
+              </a:r>
+            </a:p>
+            <a:p>
+              <a:pPr marL="285750" indent="-285750">
+                <a:buFont typeface="Arial" panose="020B0604020202020204" pitchFamily="34" charset="0"/>
+                <a:buChar char="•"/>
+              </a:pPr>
+              <a:r>
+                <a:rPr lang="en-IN" dirty="0" smtClean="0">
+                  <a:solidFill>
+                    <a:schemeClr val="tx1"/>
+                  </a:solidFill>
+                </a:rPr>
+                <a:t>Also allows users to spread awareness about various campaign programs.</a:t>
+              </a:r>
+            </a:p>
+            <a:p>
+              <a:pPr marL="285750" indent="-285750">
+                <a:buFont typeface="Arial" panose="020B0604020202020204" pitchFamily="34" charset="0"/>
+                <a:buChar char="•"/>
+              </a:pPr>
+              <a:r>
+                <a:rPr lang="en-IN" dirty="0" smtClean="0">
+                  <a:solidFill>
+                    <a:schemeClr val="tx1"/>
+                  </a:solidFill>
+                </a:rPr>
+                <a:t>Enables reward points based on each milestone attained.</a:t>
+              </a:r>
+              <a:endParaRPr lang="en-US" dirty="0">
+                <a:solidFill>
+                  <a:schemeClr val="tx1"/>
+                </a:solidFill>
+              </a:endParaRPr>
+            </a:p>
+          </p:txBody>
+        </p:sp>
+        <p:pic>
+          <p:nvPicPr>
+            <p:cNvPr id="8" name="Picture 7"/>
+            <p:cNvPicPr>
+              <a:picLocks noChangeAspect="1"/>
+            </p:cNvPicPr>
+            <p:nvPr/>
+          </p:nvPicPr>
+          <p:blipFill>
+            <a:blip r:embed="rId3"/>
+            <a:stretch>
+              <a:fillRect/>
+            </a:stretch>
+          </p:blipFill>
+          <p:spPr>
+            <a:xfrm>
+              <a:off x="9128495" y="0"/>
+              <a:ext cx="3063505" cy="6858000"/>
+            </a:xfrm>
+            <a:prstGeom prst="rect">
+              <a:avLst/>
+            </a:prstGeom>
+          </p:spPr>
+        </p:pic>
+      </p:grpSp>
+    </p:spTree>
+    <p:extLst>
+      <p:ext uri="{BB962C8B-B14F-4D97-AF65-F5344CB8AC3E}">
+        <p14:creationId xmlns:p14="http://schemas.microsoft.com/office/powerpoint/2010/main" val="2216919561"/>
+      </p:ext>
+    </p:extLst>
+  </p:cSld>
+  <p:clrMapOvr>
+    <a:masterClrMapping/>
+  </p:clrMapOvr>
+  <p:timing>
+    <p:tnLst>
+      <p:par>
+        <p:cTn id="1" dur="indefinite" restart="never" nodeType="tmRoot"/>
+      </p:par>
+    </p:tnLst>
+  </p:timing>
+</p:sld>
+</file>
+
+<file path=ppt/slides/slide5.xml><?xml version="1.0" encoding="utf-8"?>
+<p:sld xmlns:a="http://schemas.openxmlformats.org/drawingml/2006/main" xmlns:r="http://schemas.openxmlformats.org/officeDocument/2006/relationships" xmlns:p="http://schemas.openxmlformats.org/presentationml/2006/main">
+  <p:cSld>
+    <p:spTree>
+      <p:nvGrpSpPr>
+        <p:cNvPr id="1" name=""/>
+        <p:cNvGrpSpPr/>
+        <p:nvPr/>
+      </p:nvGrpSpPr>
+      <p:grpSpPr>
+        <a:xfrm>
+          <a:off x="0" y="0"/>
+          <a:ext cx="0" cy="0"/>
+          <a:chOff x="0" y="0"/>
+          <a:chExt cx="0" cy="0"/>
+        </a:xfrm>
+      </p:grpSpPr>
       <p:sp>
         <p:nvSpPr>
           <p:cNvPr id="4" name="Rectangle 3"/>
@@ -3681,8 +5988,8 @@
         </p:nvSpPr>
         <p:spPr>
           <a:xfrm>
-            <a:off x="828135" y="146648"/>
-            <a:ext cx="2993366" cy="646331"/>
+            <a:off x="828134" y="146648"/>
+            <a:ext cx="6107503" cy="584775"/>
           </a:xfrm>
           <a:prstGeom prst="rect">
             <a:avLst/>
@@ -3703,13 +6010,13 @@
           <a:lstStyle/>
           <a:p>
             <a:r>
-              <a:rPr lang="en-US" sz="3600" b="1" dirty="0" smtClean="0">
+              <a:rPr lang="en-US" sz="3200" b="1" dirty="0" smtClean="0">
                 <a:latin typeface="Adobe Song Std L" panose="02020300000000000000" pitchFamily="18" charset="-128"/>
                 <a:ea typeface="Adobe Song Std L" panose="02020300000000000000" pitchFamily="18" charset="-128"/>
               </a:rPr>
-              <a:t>Process Flow</a:t>
-            </a:r>
-            <a:endParaRPr lang="en-US" sz="3600" b="1" dirty="0">
+              <a:t>NGO Campaigns and Charities</a:t>
+            </a:r>
+            <a:endParaRPr lang="en-US" sz="3200" b="1" dirty="0">
               <a:latin typeface="Adobe Song Std L" panose="02020300000000000000" pitchFamily="18" charset="-128"/>
               <a:ea typeface="Adobe Song Std L" panose="02020300000000000000" pitchFamily="18" charset="-128"/>
             </a:endParaRPr>
@@ -3724,7 +6031,7 @@
         </p:nvSpPr>
         <p:spPr>
           <a:xfrm>
-            <a:off x="2028645" y="887868"/>
+            <a:off x="2028645" y="896494"/>
             <a:ext cx="8134709" cy="5970132"/>
           </a:xfrm>
           <a:prstGeom prst="ellipse">
@@ -3761,107 +6068,534 @@
           <a:bodyPr rtlCol="0" anchor="ctr"/>
           <a:lstStyle/>
           <a:p>
-            <a:pPr algn="ctr"/>
-            <a:endParaRPr lang="en-US"/>
+            <a:pPr marL="285750" indent="-285750">
+              <a:buFont typeface="Arial" panose="020B0604020202020204" pitchFamily="34" charset="0"/>
+              <a:buChar char="•"/>
+            </a:pPr>
+            <a:r>
+              <a:rPr lang="en-IN" dirty="0" smtClean="0">
+                <a:solidFill>
+                  <a:schemeClr val="tx1"/>
+                </a:solidFill>
+              </a:rPr>
+              <a:t>Charity events and other campaigns can be uploaded by the admins.</a:t>
+            </a:r>
+          </a:p>
+          <a:p>
+            <a:pPr marL="285750" indent="-285750">
+              <a:buFont typeface="Arial" panose="020B0604020202020204" pitchFamily="34" charset="0"/>
+              <a:buChar char="•"/>
+            </a:pPr>
+            <a:r>
+              <a:rPr lang="en-IN" dirty="0" smtClean="0">
+                <a:solidFill>
+                  <a:schemeClr val="tx1"/>
+                </a:solidFill>
+              </a:rPr>
+              <a:t>These events help in getting insights of how the homelessness can be eradicated from the places.</a:t>
+            </a:r>
+          </a:p>
+          <a:p>
+            <a:pPr marL="285750" indent="-285750">
+              <a:buFont typeface="Arial" panose="020B0604020202020204" pitchFamily="34" charset="0"/>
+              <a:buChar char="•"/>
+            </a:pPr>
+            <a:r>
+              <a:rPr lang="en-IN" dirty="0" smtClean="0">
+                <a:solidFill>
+                  <a:schemeClr val="tx1"/>
+                </a:solidFill>
+              </a:rPr>
+              <a:t>Specific tags suggest who are the targeted people, for example women or children or disabled ones.</a:t>
+            </a:r>
+          </a:p>
+          <a:p>
+            <a:pPr marL="285750" indent="-285750">
+              <a:buFont typeface="Arial" panose="020B0604020202020204" pitchFamily="34" charset="0"/>
+              <a:buChar char="•"/>
+            </a:pPr>
+            <a:r>
+              <a:rPr lang="en-IN" dirty="0" smtClean="0">
+                <a:solidFill>
+                  <a:schemeClr val="tx1"/>
+                </a:solidFill>
+              </a:rPr>
+              <a:t>These data can be browsed in real time by all the app users.</a:t>
+            </a:r>
+            <a:endParaRPr lang="en-US" dirty="0">
+              <a:solidFill>
+                <a:schemeClr val="tx1"/>
+              </a:solidFill>
+            </a:endParaRPr>
           </a:p>
         </p:txBody>
       </p:sp>
       <p:pic>
         <p:nvPicPr>
-          <p:cNvPr id="1026" name="Picture 2" descr="Related image"/>
+          <p:cNvPr id="3" name="Picture 2"/>
           <p:cNvPicPr>
-            <a:picLocks noChangeAspect="1" noChangeArrowheads="1"/>
+            <a:picLocks noChangeAspect="1"/>
           </p:cNvPicPr>
           <p:nvPr/>
         </p:nvPicPr>
         <p:blipFill>
-          <a:blip r:embed="rId3">
-            <a:extLst>
-              <a:ext uri="{28A0092B-C50C-407E-A947-70E740481C1C}">
-                <a14:useLocalDpi xmlns:a14="http://schemas.microsoft.com/office/drawing/2010/main" val="0"/>
-              </a:ext>
-            </a:extLst>
-          </a:blip>
-          <a:srcRect/>
+          <a:blip r:embed="rId3"/>
           <a:stretch>
             <a:fillRect/>
           </a:stretch>
         </p:blipFill>
-        <p:spPr bwMode="auto">
+        <p:spPr>
           <a:xfrm>
-            <a:off x="3159721" y="2712910"/>
-            <a:ext cx="1828800" cy="1828800"/>
+            <a:off x="9090391" y="-8626"/>
+            <a:ext cx="3101609" cy="6866626"/>
+          </a:xfrm>
+          <a:prstGeom prst="rect">
+            <a:avLst/>
+          </a:prstGeom>
+        </p:spPr>
+      </p:pic>
+    </p:spTree>
+    <p:extLst>
+      <p:ext uri="{BB962C8B-B14F-4D97-AF65-F5344CB8AC3E}">
+        <p14:creationId xmlns:p14="http://schemas.microsoft.com/office/powerpoint/2010/main" val="1716164475"/>
+      </p:ext>
+    </p:extLst>
+  </p:cSld>
+  <p:clrMapOvr>
+    <a:masterClrMapping/>
+  </p:clrMapOvr>
+  <p:timing>
+    <p:tnLst>
+      <p:par>
+        <p:cTn id="1" dur="indefinite" restart="never" nodeType="tmRoot"/>
+      </p:par>
+    </p:tnLst>
+  </p:timing>
+</p:sld>
+</file>
+
+<file path=ppt/slides/slide6.xml><?xml version="1.0" encoding="utf-8"?>
+<p:sld xmlns:a="http://schemas.openxmlformats.org/drawingml/2006/main" xmlns:r="http://schemas.openxmlformats.org/officeDocument/2006/relationships" xmlns:p="http://schemas.openxmlformats.org/presentationml/2006/main">
+  <p:cSld>
+    <p:spTree>
+      <p:nvGrpSpPr>
+        <p:cNvPr id="1" name=""/>
+        <p:cNvGrpSpPr/>
+        <p:nvPr/>
+      </p:nvGrpSpPr>
+      <p:grpSpPr>
+        <a:xfrm>
+          <a:off x="0" y="0"/>
+          <a:ext cx="0" cy="0"/>
+          <a:chOff x="0" y="0"/>
+          <a:chExt cx="0" cy="0"/>
+        </a:xfrm>
+      </p:grpSpPr>
+      <p:grpSp>
+        <p:nvGrpSpPr>
+          <p:cNvPr id="3" name="Group 2"/>
+          <p:cNvGrpSpPr/>
+          <p:nvPr/>
+        </p:nvGrpSpPr>
+        <p:grpSpPr>
+          <a:xfrm>
+            <a:off x="0" y="-8626"/>
+            <a:ext cx="12192000" cy="6875252"/>
+            <a:chOff x="0" y="-8626"/>
+            <a:chExt cx="12192000" cy="6875252"/>
+          </a:xfrm>
+        </p:grpSpPr>
+        <p:sp>
+          <p:nvSpPr>
+            <p:cNvPr id="4" name="Rectangle 3"/>
+            <p:cNvSpPr/>
+            <p:nvPr/>
+          </p:nvSpPr>
+          <p:spPr>
+            <a:xfrm>
+              <a:off x="0" y="-8626"/>
+              <a:ext cx="12192000" cy="6858000"/>
+            </a:xfrm>
+            <a:prstGeom prst="rect">
+              <a:avLst/>
+            </a:prstGeom>
+            <a:blipFill dpi="0" rotWithShape="1">
+              <a:blip r:embed="rId2">
+                <a:alphaModFix amt="25000"/>
+                <a:extLst>
+                  <a:ext uri="{28A0092B-C50C-407E-A947-70E740481C1C}">
+                    <a14:useLocalDpi xmlns:a14="http://schemas.microsoft.com/office/drawing/2010/main" val="0"/>
+                  </a:ext>
+                </a:extLst>
+              </a:blip>
+              <a:srcRect/>
+              <a:stretch>
+                <a:fillRect/>
+              </a:stretch>
+            </a:blipFill>
+          </p:spPr>
+          <p:style>
+            <a:lnRef idx="2">
+              <a:schemeClr val="accent1">
+                <a:shade val="50000"/>
+              </a:schemeClr>
+            </a:lnRef>
+            <a:fillRef idx="1">
+              <a:schemeClr val="accent1"/>
+            </a:fillRef>
+            <a:effectRef idx="0">
+              <a:schemeClr val="accent1"/>
+            </a:effectRef>
+            <a:fontRef idx="minor">
+              <a:schemeClr val="lt1"/>
+            </a:fontRef>
+          </p:style>
+          <p:txBody>
+            <a:bodyPr rtlCol="0" anchor="ctr"/>
+            <a:lstStyle/>
+            <a:p>
+              <a:pPr algn="ctr"/>
+              <a:endParaRPr lang="en-US">
+                <a:ln w="0"/>
+                <a:solidFill>
+                  <a:schemeClr val="tx1"/>
+                </a:solidFill>
+                <a:effectLst>
+                  <a:outerShdw blurRad="38100" dist="19050" dir="2700000" algn="tl" rotWithShape="0">
+                    <a:schemeClr val="dk1">
+                      <a:alpha val="40000"/>
+                    </a:schemeClr>
+                  </a:outerShdw>
+                </a:effectLst>
+              </a:endParaRPr>
+            </a:p>
+          </p:txBody>
+        </p:sp>
+        <p:sp>
+          <p:nvSpPr>
+            <p:cNvPr id="2" name="TextBox 1"/>
+            <p:cNvSpPr txBox="1"/>
+            <p:nvPr/>
+          </p:nvSpPr>
+          <p:spPr>
+            <a:xfrm>
+              <a:off x="828134" y="146648"/>
+              <a:ext cx="6107503" cy="584775"/>
+            </a:xfrm>
+            <a:prstGeom prst="rect">
+              <a:avLst/>
+            </a:prstGeom>
+            <a:noFill/>
+            <a:ln>
+              <a:solidFill>
+                <a:schemeClr val="bg1">
+                  <a:lumMod val="75000"/>
+                </a:schemeClr>
+              </a:solidFill>
+            </a:ln>
+          </p:spPr>
+          <p:txBody>
+            <a:bodyPr wrap="square" rtlCol="0">
+              <a:spAutoFit/>
+            </a:bodyPr>
+            <a:lstStyle/>
+            <a:p>
+              <a:r>
+                <a:rPr lang="en-US" sz="3200" b="1" dirty="0" smtClean="0">
+                  <a:latin typeface="Adobe Song Std L" panose="02020300000000000000" pitchFamily="18" charset="-128"/>
+                  <a:ea typeface="Adobe Song Std L" panose="02020300000000000000" pitchFamily="18" charset="-128"/>
+                </a:rPr>
+                <a:t>Share Moments</a:t>
+              </a:r>
+              <a:endParaRPr lang="en-US" sz="3200" b="1" dirty="0">
+                <a:latin typeface="Adobe Song Std L" panose="02020300000000000000" pitchFamily="18" charset="-128"/>
+                <a:ea typeface="Adobe Song Std L" panose="02020300000000000000" pitchFamily="18" charset="-128"/>
+              </a:endParaRPr>
+            </a:p>
+          </p:txBody>
+        </p:sp>
+        <p:sp>
+          <p:nvSpPr>
+            <p:cNvPr id="5" name="Oval 4"/>
+            <p:cNvSpPr/>
+            <p:nvPr/>
+          </p:nvSpPr>
+          <p:spPr>
+            <a:xfrm>
+              <a:off x="2028645" y="896494"/>
+              <a:ext cx="8134709" cy="5970132"/>
+            </a:xfrm>
+            <a:prstGeom prst="ellipse">
+              <a:avLst/>
+            </a:prstGeom>
+            <a:solidFill>
+              <a:schemeClr val="bg1">
+                <a:alpha val="55000"/>
+              </a:schemeClr>
+            </a:solidFill>
+            <a:ln>
+              <a:solidFill>
+                <a:srgbClr val="D1D1D1"/>
+              </a:solidFill>
+            </a:ln>
+          </p:spPr>
+          <p:style>
+            <a:lnRef idx="2">
+              <a:schemeClr val="accent1">
+                <a:shade val="50000"/>
+              </a:schemeClr>
+            </a:lnRef>
+            <a:fillRef idx="1">
+              <a:schemeClr val="accent1"/>
+            </a:fillRef>
+            <a:effectRef idx="0">
+              <a:schemeClr val="accent1"/>
+            </a:effectRef>
+            <a:fontRef idx="minor">
+              <a:schemeClr val="lt1"/>
+            </a:fontRef>
+          </p:style>
+          <p:txBody>
+            <a:bodyPr rtlCol="0" anchor="ctr"/>
+            <a:lstStyle/>
+            <a:p>
+              <a:pPr marL="285750" indent="-285750">
+                <a:buFont typeface="Arial" panose="020B0604020202020204" pitchFamily="34" charset="0"/>
+                <a:buChar char="•"/>
+              </a:pPr>
+              <a:r>
+                <a:rPr lang="en-IN" dirty="0" smtClean="0">
+                  <a:solidFill>
+                    <a:schemeClr val="tx1"/>
+                  </a:solidFill>
+                </a:rPr>
+                <a:t>Share your Homelessness moment.</a:t>
+              </a:r>
+            </a:p>
+            <a:p>
+              <a:pPr marL="285750" indent="-285750">
+                <a:buFont typeface="Arial" panose="020B0604020202020204" pitchFamily="34" charset="0"/>
+                <a:buChar char="•"/>
+              </a:pPr>
+              <a:r>
+                <a:rPr lang="en-IN" dirty="0" smtClean="0">
+                  <a:solidFill>
+                    <a:schemeClr val="tx1"/>
+                  </a:solidFill>
+                </a:rPr>
+                <a:t>Found anything worth sharing? A room or a person shivering in the cold in a need of blanket? Everything can be shared via this function.</a:t>
+              </a:r>
+            </a:p>
+            <a:p>
+              <a:pPr marL="285750" indent="-285750">
+                <a:buFont typeface="Arial" panose="020B0604020202020204" pitchFamily="34" charset="0"/>
+                <a:buChar char="•"/>
+              </a:pPr>
+              <a:r>
+                <a:rPr lang="en-IN" dirty="0" smtClean="0">
+                  <a:solidFill>
+                    <a:schemeClr val="tx1"/>
+                  </a:solidFill>
+                </a:rPr>
+                <a:t>Currently this feature is getting upgraded for generic audience</a:t>
+              </a:r>
+              <a:endParaRPr lang="en-US" dirty="0">
+                <a:solidFill>
+                  <a:schemeClr val="tx1"/>
+                </a:solidFill>
+              </a:endParaRPr>
+            </a:p>
+          </p:txBody>
+        </p:sp>
+        <p:pic>
+          <p:nvPicPr>
+            <p:cNvPr id="6" name="Picture 5"/>
+            <p:cNvPicPr>
+              <a:picLocks noChangeAspect="1"/>
+            </p:cNvPicPr>
+            <p:nvPr/>
+          </p:nvPicPr>
+          <p:blipFill>
+            <a:blip r:embed="rId3"/>
+            <a:stretch>
+              <a:fillRect/>
+            </a:stretch>
+          </p:blipFill>
+          <p:spPr>
+            <a:xfrm>
+              <a:off x="9029426" y="0"/>
+              <a:ext cx="3162574" cy="6849374"/>
+            </a:xfrm>
+            <a:prstGeom prst="rect">
+              <a:avLst/>
+            </a:prstGeom>
+          </p:spPr>
+        </p:pic>
+      </p:grpSp>
+    </p:spTree>
+    <p:extLst>
+      <p:ext uri="{BB962C8B-B14F-4D97-AF65-F5344CB8AC3E}">
+        <p14:creationId xmlns:p14="http://schemas.microsoft.com/office/powerpoint/2010/main" val="3455998889"/>
+      </p:ext>
+    </p:extLst>
+  </p:cSld>
+  <p:clrMapOvr>
+    <a:masterClrMapping/>
+  </p:clrMapOvr>
+  <p:timing>
+    <p:tnLst>
+      <p:par>
+        <p:cTn id="1" dur="indefinite" restart="never" nodeType="tmRoot"/>
+      </p:par>
+    </p:tnLst>
+  </p:timing>
+</p:sld>
+</file>
+
+<file path=ppt/slides/slide7.xml><?xml version="1.0" encoding="utf-8"?>
+<p:sld xmlns:a="http://schemas.openxmlformats.org/drawingml/2006/main" xmlns:r="http://schemas.openxmlformats.org/officeDocument/2006/relationships" xmlns:p="http://schemas.openxmlformats.org/presentationml/2006/main">
+  <p:cSld>
+    <p:spTree>
+      <p:nvGrpSpPr>
+        <p:cNvPr id="1" name=""/>
+        <p:cNvGrpSpPr/>
+        <p:nvPr/>
+      </p:nvGrpSpPr>
+      <p:grpSpPr>
+        <a:xfrm>
+          <a:off x="0" y="0"/>
+          <a:ext cx="0" cy="0"/>
+          <a:chOff x="0" y="0"/>
+          <a:chExt cx="0" cy="0"/>
+        </a:xfrm>
+      </p:grpSpPr>
+      <p:sp>
+        <p:nvSpPr>
+          <p:cNvPr id="4" name="Rectangle 3"/>
+          <p:cNvSpPr/>
+          <p:nvPr/>
+        </p:nvSpPr>
+        <p:spPr>
+          <a:xfrm>
+            <a:off x="0" y="-8626"/>
+            <a:ext cx="12192000" cy="6858000"/>
+          </a:xfrm>
+          <a:prstGeom prst="rect">
+            <a:avLst/>
+          </a:prstGeom>
+          <a:blipFill dpi="0" rotWithShape="1">
+            <a:blip r:embed="rId2">
+              <a:alphaModFix amt="25000"/>
+              <a:extLst>
+                <a:ext uri="{28A0092B-C50C-407E-A947-70E740481C1C}">
+                  <a14:useLocalDpi xmlns:a14="http://schemas.microsoft.com/office/drawing/2010/main" val="0"/>
+                </a:ext>
+              </a:extLst>
+            </a:blip>
+            <a:srcRect/>
+            <a:stretch>
+              <a:fillRect/>
+            </a:stretch>
+          </a:blipFill>
+        </p:spPr>
+        <p:style>
+          <a:lnRef idx="2">
+            <a:schemeClr val="accent1">
+              <a:shade val="50000"/>
+            </a:schemeClr>
+          </a:lnRef>
+          <a:fillRef idx="1">
+            <a:schemeClr val="accent1"/>
+          </a:fillRef>
+          <a:effectRef idx="0">
+            <a:schemeClr val="accent1"/>
+          </a:effectRef>
+          <a:fontRef idx="minor">
+            <a:schemeClr val="lt1"/>
+          </a:fontRef>
+        </p:style>
+        <p:txBody>
+          <a:bodyPr rtlCol="0" anchor="ctr"/>
+          <a:lstStyle/>
+          <a:p>
+            <a:pPr algn="ctr"/>
+            <a:endParaRPr lang="en-US">
+              <a:ln w="0"/>
+              <a:solidFill>
+                <a:schemeClr val="tx1"/>
+              </a:solidFill>
+              <a:effectLst>
+                <a:outerShdw blurRad="38100" dist="19050" dir="2700000" algn="tl" rotWithShape="0">
+                  <a:schemeClr val="dk1">
+                    <a:alpha val="40000"/>
+                  </a:schemeClr>
+                </a:outerShdw>
+              </a:effectLst>
+            </a:endParaRPr>
+          </a:p>
+        </p:txBody>
+      </p:sp>
+      <p:sp>
+        <p:nvSpPr>
+          <p:cNvPr id="2" name="TextBox 1"/>
+          <p:cNvSpPr txBox="1"/>
+          <p:nvPr/>
+        </p:nvSpPr>
+        <p:spPr>
+          <a:xfrm>
+            <a:off x="828134" y="103516"/>
+            <a:ext cx="8126085" cy="584775"/>
           </a:xfrm>
           <a:prstGeom prst="rect">
             <a:avLst/>
           </a:prstGeom>
           <a:noFill/>
-          <a:extLst>
-            <a:ext uri="{909E8E84-426E-40DD-AFC4-6F175D3DCCD1}">
-              <a14:hiddenFill xmlns:a14="http://schemas.microsoft.com/office/drawing/2010/main">
-                <a:solidFill>
-                  <a:srgbClr val="FFFFFF"/>
-                </a:solidFill>
-              </a14:hiddenFill>
-            </a:ext>
-          </a:extLst>
+          <a:ln>
+            <a:solidFill>
+              <a:schemeClr val="bg1">
+                <a:lumMod val="75000"/>
+              </a:schemeClr>
+            </a:solidFill>
+          </a:ln>
         </p:spPr>
-      </p:pic>
-      <p:pic>
-        <p:nvPicPr>
-          <p:cNvPr id="1028" name="Picture 4" descr="Image result for mobile icon"/>
-          <p:cNvPicPr>
-            <a:picLocks noChangeAspect="1" noChangeArrowheads="1"/>
-          </p:cNvPicPr>
-          <p:nvPr/>
-        </p:nvPicPr>
-        <p:blipFill rotWithShape="1">
-          <a:blip r:embed="rId4" cstate="print">
-            <a:extLst>
-              <a:ext uri="{28A0092B-C50C-407E-A947-70E740481C1C}">
-                <a14:useLocalDpi xmlns:a14="http://schemas.microsoft.com/office/drawing/2010/main" val="0"/>
-              </a:ext>
-            </a:extLst>
-          </a:blip>
-          <a:srcRect l="3412" r="3412" b="13726"/>
-          <a:stretch/>
-        </p:blipFill>
-        <p:spPr bwMode="auto">
-          <a:xfrm>
-            <a:off x="7216793" y="2712910"/>
-            <a:ext cx="1828800" cy="1828800"/>
-          </a:xfrm>
-          <a:prstGeom prst="rect">
-            <a:avLst/>
-          </a:prstGeom>
-          <a:noFill/>
-          <a:extLst>
-            <a:ext uri="{909E8E84-426E-40DD-AFC4-6F175D3DCCD1}">
-              <a14:hiddenFill xmlns:a14="http://schemas.microsoft.com/office/drawing/2010/main">
-                <a:solidFill>
-                  <a:srgbClr val="FFFFFF"/>
-                </a:solidFill>
-              </a14:hiddenFill>
-            </a:ext>
-          </a:extLst>
-        </p:spPr>
-      </p:pic>
-      <p:sp>
-        <p:nvSpPr>
-          <p:cNvPr id="6" name="Curved Down Arrow 5"/>
+        <p:txBody>
+          <a:bodyPr wrap="square" rtlCol="0">
+            <a:spAutoFit/>
+          </a:bodyPr>
+          <a:lstStyle/>
+          <a:p>
+            <a:r>
+              <a:rPr lang="en-US" sz="3200" b="1" dirty="0" smtClean="0">
+                <a:latin typeface="Adobe Song Std L" panose="02020300000000000000" pitchFamily="18" charset="-128"/>
+                <a:ea typeface="Adobe Song Std L" panose="02020300000000000000" pitchFamily="18" charset="-128"/>
+              </a:rPr>
+              <a:t>Improvements in the current product</a:t>
+            </a:r>
+            <a:endParaRPr lang="en-US" sz="3200" b="1" dirty="0">
+              <a:latin typeface="Adobe Song Std L" panose="02020300000000000000" pitchFamily="18" charset="-128"/>
+              <a:ea typeface="Adobe Song Std L" panose="02020300000000000000" pitchFamily="18" charset="-128"/>
+            </a:endParaRPr>
+          </a:p>
+        </p:txBody>
+      </p:sp>
+      <p:sp>
+        <p:nvSpPr>
+          <p:cNvPr id="5" name="Oval 4"/>
           <p:cNvSpPr/>
           <p:nvPr/>
         </p:nvSpPr>
         <p:spPr>
           <a:xfrm>
-            <a:off x="4562669" y="1931437"/>
-            <a:ext cx="3303037" cy="923730"/>
+            <a:off x="2028645" y="896494"/>
+            <a:ext cx="8134709" cy="5970132"/>
           </a:xfrm>
-          <a:prstGeom prst="curvedDownArrow">
+          <a:prstGeom prst="ellipse">
             <a:avLst/>
           </a:prstGeom>
           <a:solidFill>
-            <a:srgbClr val="D1D1D1"/>
+            <a:schemeClr val="bg1">
+              <a:alpha val="55000"/>
+            </a:schemeClr>
           </a:solidFill>
           <a:ln>
             <a:solidFill>
@@ -3889,8 +6623,67 @@
           <a:bodyPr rtlCol="0" anchor="ctr"/>
           <a:lstStyle/>
           <a:p>
-            <a:pPr algn="ctr"/>
-            <a:endParaRPr lang="en-US">
+            <a:pPr marL="285750" indent="-285750">
+              <a:buFont typeface="Arial" panose="020B0604020202020204" pitchFamily="34" charset="0"/>
+              <a:buChar char="•"/>
+            </a:pPr>
+            <a:r>
+              <a:rPr lang="en-IN" dirty="0" smtClean="0">
+                <a:solidFill>
+                  <a:schemeClr val="tx1"/>
+                </a:solidFill>
+              </a:rPr>
+              <a:t>Biometric scan is under progress.</a:t>
+            </a:r>
+          </a:p>
+          <a:p>
+            <a:pPr marL="285750" indent="-285750">
+              <a:buFont typeface="Arial" panose="020B0604020202020204" pitchFamily="34" charset="0"/>
+              <a:buChar char="•"/>
+            </a:pPr>
+            <a:r>
+              <a:rPr lang="en-IN" dirty="0" smtClean="0">
+                <a:solidFill>
+                  <a:schemeClr val="tx1"/>
+                </a:solidFill>
+              </a:rPr>
+              <a:t>Real time location tracking and sharing.</a:t>
+            </a:r>
+          </a:p>
+          <a:p>
+            <a:pPr marL="285750" indent="-285750">
+              <a:buFont typeface="Arial" panose="020B0604020202020204" pitchFamily="34" charset="0"/>
+              <a:buChar char="•"/>
+            </a:pPr>
+            <a:r>
+              <a:rPr lang="en-IN" dirty="0" smtClean="0">
+                <a:solidFill>
+                  <a:schemeClr val="tx1"/>
+                </a:solidFill>
+              </a:rPr>
+              <a:t>Robust and secure transaction system.</a:t>
+            </a:r>
+          </a:p>
+          <a:p>
+            <a:pPr marL="285750" indent="-285750">
+              <a:buFont typeface="Arial" panose="020B0604020202020204" pitchFamily="34" charset="0"/>
+              <a:buChar char="•"/>
+            </a:pPr>
+            <a:r>
+              <a:rPr lang="en-IN" dirty="0" smtClean="0">
+                <a:solidFill>
+                  <a:schemeClr val="tx1"/>
+                </a:solidFill>
+              </a:rPr>
+              <a:t>Improving features and functionality.</a:t>
+            </a:r>
+          </a:p>
+          <a:p>
+            <a:pPr marL="285750" indent="-285750">
+              <a:buFont typeface="Arial" panose="020B0604020202020204" pitchFamily="34" charset="0"/>
+              <a:buChar char="•"/>
+            </a:pPr>
+            <a:endParaRPr lang="en-US" dirty="0">
               <a:solidFill>
                 <a:schemeClr val="tx1"/>
               </a:solidFill>
@@ -3898,22 +6691,127 @@
           </a:p>
         </p:txBody>
       </p:sp>
-      <p:sp>
-        <p:nvSpPr>
-          <p:cNvPr id="9" name="Curved Down Arrow 8"/>
+    </p:spTree>
+    <p:extLst>
+      <p:ext uri="{BB962C8B-B14F-4D97-AF65-F5344CB8AC3E}">
+        <p14:creationId xmlns:p14="http://schemas.microsoft.com/office/powerpoint/2010/main" val="1846890373"/>
+      </p:ext>
+    </p:extLst>
+  </p:cSld>
+  <p:clrMapOvr>
+    <a:masterClrMapping/>
+  </p:clrMapOvr>
+  <p:timing>
+    <p:tnLst>
+      <p:par>
+        <p:cTn id="1" dur="indefinite" restart="never" nodeType="tmRoot"/>
+      </p:par>
+    </p:tnLst>
+  </p:timing>
+</p:sld>
+</file>
+
+<file path=ppt/slides/slide8.xml><?xml version="1.0" encoding="utf-8"?>
+<p:sld xmlns:a="http://schemas.openxmlformats.org/drawingml/2006/main" xmlns:r="http://schemas.openxmlformats.org/officeDocument/2006/relationships" xmlns:p="http://schemas.openxmlformats.org/presentationml/2006/main">
+  <p:cSld>
+    <p:spTree>
+      <p:nvGrpSpPr>
+        <p:cNvPr id="1" name=""/>
+        <p:cNvGrpSpPr/>
+        <p:nvPr/>
+      </p:nvGrpSpPr>
+      <p:grpSpPr>
+        <a:xfrm>
+          <a:off x="0" y="0"/>
+          <a:ext cx="0" cy="0"/>
+          <a:chOff x="0" y="0"/>
+          <a:chExt cx="0" cy="0"/>
+        </a:xfrm>
+      </p:grpSpPr>
+      <p:sp>
+        <p:nvSpPr>
+          <p:cNvPr id="4" name="Rectangle 3"/>
           <p:cNvSpPr/>
           <p:nvPr/>
         </p:nvSpPr>
         <p:spPr>
-          <a:xfrm rot="10800000">
-            <a:off x="4444480" y="4541710"/>
-            <a:ext cx="3303037" cy="923730"/>
+          <a:xfrm>
+            <a:off x="0" y="-8626"/>
+            <a:ext cx="12192000" cy="6858000"/>
           </a:xfrm>
-          <a:prstGeom prst="curvedDownArrow">
+          <a:prstGeom prst="rect">
+            <a:avLst/>
+          </a:prstGeom>
+          <a:blipFill dpi="0" rotWithShape="1">
+            <a:blip r:embed="rId2">
+              <a:alphaModFix amt="25000"/>
+              <a:extLst>
+                <a:ext uri="{28A0092B-C50C-407E-A947-70E740481C1C}">
+                  <a14:useLocalDpi xmlns:a14="http://schemas.microsoft.com/office/drawing/2010/main" val="0"/>
+                </a:ext>
+              </a:extLst>
+            </a:blip>
+            <a:srcRect/>
+            <a:stretch>
+              <a:fillRect/>
+            </a:stretch>
+          </a:blipFill>
+        </p:spPr>
+        <p:style>
+          <a:lnRef idx="2">
+            <a:schemeClr val="accent1">
+              <a:shade val="50000"/>
+            </a:schemeClr>
+          </a:lnRef>
+          <a:fillRef idx="1">
+            <a:schemeClr val="accent1"/>
+          </a:fillRef>
+          <a:effectRef idx="0">
+            <a:schemeClr val="accent1"/>
+          </a:effectRef>
+          <a:fontRef idx="minor">
+            <a:schemeClr val="lt1"/>
+          </a:fontRef>
+        </p:style>
+        <p:txBody>
+          <a:bodyPr rtlCol="0" anchor="ctr"/>
+          <a:lstStyle/>
+          <a:p>
+            <a:pPr algn="ctr"/>
+            <a:endParaRPr lang="en-US">
+              <a:ln w="0"/>
+              <a:solidFill>
+                <a:schemeClr val="tx1"/>
+              </a:solidFill>
+              <a:effectLst>
+                <a:outerShdw blurRad="38100" dist="19050" dir="2700000" algn="tl" rotWithShape="0">
+                  <a:schemeClr val="dk1">
+                    <a:alpha val="40000"/>
+                  </a:schemeClr>
+                </a:outerShdw>
+              </a:effectLst>
+            </a:endParaRPr>
+          </a:p>
+        </p:txBody>
+      </p:sp>
+      <p:sp>
+        <p:nvSpPr>
+          <p:cNvPr id="5" name="Oval 4"/>
+          <p:cNvSpPr/>
+          <p:nvPr/>
+        </p:nvSpPr>
+        <p:spPr>
+          <a:xfrm>
+            <a:off x="2028645" y="896494"/>
+            <a:ext cx="8134709" cy="5970132"/>
+          </a:xfrm>
+          <a:prstGeom prst="ellipse">
             <a:avLst/>
           </a:prstGeom>
           <a:solidFill>
-            <a:srgbClr val="D1D1D1"/>
+            <a:schemeClr val="bg1">
+              <a:alpha val="55000"/>
+            </a:schemeClr>
           </a:solidFill>
           <a:ln>
             <a:solidFill>
@@ -3942,7 +6840,39 @@
           <a:lstStyle/>
           <a:p>
             <a:pPr algn="ctr"/>
-            <a:endParaRPr lang="en-US">
+            <a:r>
+              <a:rPr lang="en-IN" sz="8800" dirty="0" smtClean="0">
+                <a:solidFill>
+                  <a:schemeClr val="tx1"/>
+                </a:solidFill>
+              </a:rPr>
+              <a:t>Thank You…</a:t>
+            </a:r>
+          </a:p>
+          <a:p>
+            <a:pPr algn="ctr"/>
+            <a:r>
+              <a:rPr lang="en-IN" sz="2800" dirty="0" smtClean="0">
+                <a:solidFill>
+                  <a:schemeClr val="tx1"/>
+                </a:solidFill>
+                <a:sym typeface="Wingdings" panose="05000000000000000000" pitchFamily="2" charset="2"/>
+              </a:rPr>
+              <a:t>Let’s make this world a better place to live in…</a:t>
+            </a:r>
+          </a:p>
+          <a:p>
+            <a:pPr algn="ctr"/>
+            <a:r>
+              <a:rPr lang="en-IN" sz="2800" dirty="0" smtClean="0">
+                <a:solidFill>
+                  <a:schemeClr val="tx1"/>
+                </a:solidFill>
+                <a:sym typeface="Wingdings" panose="05000000000000000000" pitchFamily="2" charset="2"/>
+              </a:rPr>
+              <a:t>   </a:t>
+            </a:r>
+            <a:endParaRPr lang="en-US" sz="2800" dirty="0">
               <a:solidFill>
                 <a:schemeClr val="tx1"/>
               </a:solidFill>
@@ -3950,1639 +6880,10 @@
           </a:p>
         </p:txBody>
       </p:sp>
-      <p:sp>
-        <p:nvSpPr>
-          <p:cNvPr id="7" name="TextBox 6"/>
-          <p:cNvSpPr txBox="1"/>
-          <p:nvPr/>
-        </p:nvSpPr>
-        <p:spPr>
-          <a:xfrm>
-            <a:off x="3677570" y="4449577"/>
-            <a:ext cx="793102" cy="369332"/>
-          </a:xfrm>
-          <a:prstGeom prst="rect">
-            <a:avLst/>
-          </a:prstGeom>
-          <a:noFill/>
-        </p:spPr>
-        <p:txBody>
-          <a:bodyPr wrap="square" rtlCol="0">
-            <a:spAutoFit/>
-          </a:bodyPr>
-          <a:lstStyle/>
-          <a:p>
-            <a:r>
-              <a:rPr lang="en-US" b="1" dirty="0" smtClean="0"/>
-              <a:t>Server</a:t>
-            </a:r>
-            <a:endParaRPr lang="en-US" b="1" dirty="0"/>
-          </a:p>
-        </p:txBody>
-      </p:sp>
-      <p:sp>
-        <p:nvSpPr>
-          <p:cNvPr id="11" name="TextBox 10"/>
-          <p:cNvSpPr txBox="1"/>
-          <p:nvPr/>
-        </p:nvSpPr>
-        <p:spPr>
-          <a:xfrm>
-            <a:off x="7865706" y="4495543"/>
-            <a:ext cx="793102" cy="369332"/>
-          </a:xfrm>
-          <a:prstGeom prst="rect">
-            <a:avLst/>
-          </a:prstGeom>
-          <a:noFill/>
-        </p:spPr>
-        <p:txBody>
-          <a:bodyPr wrap="square" rtlCol="0">
-            <a:spAutoFit/>
-          </a:bodyPr>
-          <a:lstStyle/>
-          <a:p>
-            <a:r>
-              <a:rPr lang="en-US" b="1" dirty="0" smtClean="0"/>
-              <a:t>User</a:t>
-            </a:r>
-            <a:endParaRPr lang="en-US" b="1" dirty="0"/>
-          </a:p>
-        </p:txBody>
-      </p:sp>
-      <p:sp>
-        <p:nvSpPr>
-          <p:cNvPr id="12" name="Rectangle 11"/>
-          <p:cNvSpPr/>
-          <p:nvPr/>
-        </p:nvSpPr>
-        <p:spPr>
-          <a:xfrm>
-            <a:off x="10374644" y="5945059"/>
-            <a:ext cx="1604865" cy="643812"/>
-          </a:xfrm>
-          <a:prstGeom prst="rect">
-            <a:avLst/>
-          </a:prstGeom>
-          <a:solidFill>
-            <a:schemeClr val="bg1">
-              <a:lumMod val="85000"/>
-            </a:schemeClr>
-          </a:solidFill>
-          <a:ln w="28575">
-            <a:solidFill>
-              <a:schemeClr val="bg1"/>
-            </a:solidFill>
-            <a:prstDash val="lgDash"/>
-          </a:ln>
-          <a:effectLst>
-            <a:outerShdw blurRad="50800" dist="38100" algn="l" rotWithShape="0">
-              <a:prstClr val="black">
-                <a:alpha val="40000"/>
-              </a:prstClr>
-            </a:outerShdw>
-          </a:effectLst>
-          <a:scene3d>
-            <a:camera prst="perspectiveHeroicExtremeLeftFacing"/>
-            <a:lightRig rig="threePt" dir="t"/>
-          </a:scene3d>
-        </p:spPr>
-        <p:style>
-          <a:lnRef idx="2">
-            <a:schemeClr val="accent1">
-              <a:shade val="50000"/>
-            </a:schemeClr>
-          </a:lnRef>
-          <a:fillRef idx="1">
-            <a:schemeClr val="accent1"/>
-          </a:fillRef>
-          <a:effectRef idx="0">
-            <a:schemeClr val="accent1"/>
-          </a:effectRef>
-          <a:fontRef idx="minor">
-            <a:schemeClr val="lt1"/>
-          </a:fontRef>
-        </p:style>
-        <p:txBody>
-          <a:bodyPr rtlCol="0" anchor="ctr"/>
-          <a:lstStyle/>
-          <a:p>
-            <a:pPr algn="r"/>
-            <a:r>
-              <a:rPr lang="en-US" sz="1400" dirty="0" smtClean="0">
-                <a:solidFill>
-                  <a:schemeClr val="bg2">
-                    <a:lumMod val="25000"/>
-                  </a:schemeClr>
-                </a:solidFill>
-              </a:rPr>
-              <a:t>Share a</a:t>
-            </a:r>
-          </a:p>
-          <a:p>
-            <a:pPr algn="r"/>
-            <a:r>
-              <a:rPr lang="en-US" sz="1400" dirty="0" smtClean="0">
-                <a:solidFill>
-                  <a:schemeClr val="bg2">
-                    <a:lumMod val="25000"/>
-                  </a:schemeClr>
-                </a:solidFill>
-              </a:rPr>
-              <a:t>Moment</a:t>
-            </a:r>
-            <a:endParaRPr lang="en-US" sz="1400" dirty="0"/>
-          </a:p>
-        </p:txBody>
-      </p:sp>
-      <p:sp>
-        <p:nvSpPr>
-          <p:cNvPr id="20" name="Rectangle 19"/>
-          <p:cNvSpPr/>
-          <p:nvPr/>
-        </p:nvSpPr>
-        <p:spPr>
-          <a:xfrm>
-            <a:off x="10374646" y="1376792"/>
-            <a:ext cx="1604865" cy="643812"/>
-          </a:xfrm>
-          <a:prstGeom prst="rect">
-            <a:avLst/>
-          </a:prstGeom>
-          <a:solidFill>
-            <a:schemeClr val="bg1">
-              <a:lumMod val="85000"/>
-            </a:schemeClr>
-          </a:solidFill>
-          <a:ln w="28575">
-            <a:solidFill>
-              <a:schemeClr val="bg1"/>
-            </a:solidFill>
-            <a:prstDash val="lgDash"/>
-          </a:ln>
-          <a:effectLst>
-            <a:outerShdw blurRad="50800" dist="38100" algn="l" rotWithShape="0">
-              <a:prstClr val="black">
-                <a:alpha val="40000"/>
-              </a:prstClr>
-            </a:outerShdw>
-          </a:effectLst>
-          <a:scene3d>
-            <a:camera prst="perspectiveHeroicExtremeLeftFacing"/>
-            <a:lightRig rig="threePt" dir="t"/>
-          </a:scene3d>
-        </p:spPr>
-        <p:style>
-          <a:lnRef idx="2">
-            <a:schemeClr val="accent1">
-              <a:shade val="50000"/>
-            </a:schemeClr>
-          </a:lnRef>
-          <a:fillRef idx="1">
-            <a:schemeClr val="accent1"/>
-          </a:fillRef>
-          <a:effectRef idx="0">
-            <a:schemeClr val="accent1"/>
-          </a:effectRef>
-          <a:fontRef idx="minor">
-            <a:schemeClr val="lt1"/>
-          </a:fontRef>
-        </p:style>
-        <p:txBody>
-          <a:bodyPr rtlCol="0" anchor="ctr"/>
-          <a:lstStyle/>
-          <a:p>
-            <a:pPr algn="r"/>
-            <a:r>
-              <a:rPr lang="en-US" sz="1400" dirty="0" smtClean="0">
-                <a:solidFill>
-                  <a:schemeClr val="bg2">
-                    <a:lumMod val="25000"/>
-                  </a:schemeClr>
-                </a:solidFill>
-              </a:rPr>
-              <a:t>NGO</a:t>
-            </a:r>
-            <a:br>
-              <a:rPr lang="en-US" sz="1400" dirty="0" smtClean="0">
-                <a:solidFill>
-                  <a:schemeClr val="bg2">
-                    <a:lumMod val="25000"/>
-                  </a:schemeClr>
-                </a:solidFill>
-              </a:rPr>
-            </a:br>
-            <a:r>
-              <a:rPr lang="en-US" sz="1400" dirty="0" smtClean="0">
-                <a:solidFill>
-                  <a:schemeClr val="bg2">
-                    <a:lumMod val="25000"/>
-                  </a:schemeClr>
-                </a:solidFill>
-              </a:rPr>
-              <a:t>Details</a:t>
-            </a:r>
-            <a:endParaRPr lang="en-US" sz="1400" dirty="0">
-              <a:solidFill>
-                <a:schemeClr val="bg2">
-                  <a:lumMod val="25000"/>
-                </a:schemeClr>
-              </a:solidFill>
-            </a:endParaRPr>
-          </a:p>
-        </p:txBody>
-      </p:sp>
-      <p:sp>
-        <p:nvSpPr>
-          <p:cNvPr id="21" name="Rectangle 20"/>
-          <p:cNvSpPr/>
-          <p:nvPr/>
-        </p:nvSpPr>
-        <p:spPr>
-          <a:xfrm>
-            <a:off x="10375244" y="234725"/>
-            <a:ext cx="1604865" cy="643812"/>
-          </a:xfrm>
-          <a:prstGeom prst="rect">
-            <a:avLst/>
-          </a:prstGeom>
-          <a:solidFill>
-            <a:schemeClr val="bg1">
-              <a:lumMod val="85000"/>
-            </a:schemeClr>
-          </a:solidFill>
-          <a:ln w="28575">
-            <a:solidFill>
-              <a:schemeClr val="bg1"/>
-            </a:solidFill>
-            <a:prstDash val="lgDash"/>
-          </a:ln>
-          <a:effectLst>
-            <a:outerShdw blurRad="50800" dist="38100" algn="l" rotWithShape="0">
-              <a:prstClr val="black">
-                <a:alpha val="40000"/>
-              </a:prstClr>
-            </a:outerShdw>
-          </a:effectLst>
-          <a:scene3d>
-            <a:camera prst="perspectiveHeroicExtremeLeftFacing"/>
-            <a:lightRig rig="threePt" dir="t"/>
-          </a:scene3d>
-        </p:spPr>
-        <p:style>
-          <a:lnRef idx="2">
-            <a:schemeClr val="accent1">
-              <a:shade val="50000"/>
-            </a:schemeClr>
-          </a:lnRef>
-          <a:fillRef idx="1">
-            <a:schemeClr val="accent1"/>
-          </a:fillRef>
-          <a:effectRef idx="0">
-            <a:schemeClr val="accent1"/>
-          </a:effectRef>
-          <a:fontRef idx="minor">
-            <a:schemeClr val="lt1"/>
-          </a:fontRef>
-        </p:style>
-        <p:txBody>
-          <a:bodyPr rtlCol="0" anchor="ctr"/>
-          <a:lstStyle/>
-          <a:p>
-            <a:pPr algn="r"/>
-            <a:r>
-              <a:rPr lang="en-US" sz="1400" dirty="0" smtClean="0">
-                <a:solidFill>
-                  <a:schemeClr val="bg2">
-                    <a:lumMod val="25000"/>
-                  </a:schemeClr>
-                </a:solidFill>
-              </a:rPr>
-              <a:t>Make my Contribution</a:t>
-            </a:r>
-            <a:endParaRPr lang="en-US" sz="1400" dirty="0">
-              <a:solidFill>
-                <a:schemeClr val="bg2">
-                  <a:lumMod val="25000"/>
-                </a:schemeClr>
-              </a:solidFill>
-            </a:endParaRPr>
-          </a:p>
-        </p:txBody>
-      </p:sp>
-      <p:sp>
-        <p:nvSpPr>
-          <p:cNvPr id="22" name="Rectangle 21"/>
-          <p:cNvSpPr/>
-          <p:nvPr/>
-        </p:nvSpPr>
-        <p:spPr>
-          <a:xfrm>
-            <a:off x="10374645" y="4802993"/>
-            <a:ext cx="1604865" cy="643812"/>
-          </a:xfrm>
-          <a:prstGeom prst="rect">
-            <a:avLst/>
-          </a:prstGeom>
-          <a:solidFill>
-            <a:schemeClr val="bg1">
-              <a:lumMod val="85000"/>
-            </a:schemeClr>
-          </a:solidFill>
-          <a:ln w="28575">
-            <a:solidFill>
-              <a:schemeClr val="bg1"/>
-            </a:solidFill>
-            <a:prstDash val="lgDash"/>
-          </a:ln>
-          <a:effectLst>
-            <a:outerShdw blurRad="50800" dist="38100" algn="l" rotWithShape="0">
-              <a:prstClr val="black">
-                <a:alpha val="40000"/>
-              </a:prstClr>
-            </a:outerShdw>
-          </a:effectLst>
-          <a:scene3d>
-            <a:camera prst="perspectiveHeroicExtremeLeftFacing"/>
-            <a:lightRig rig="threePt" dir="t"/>
-          </a:scene3d>
-        </p:spPr>
-        <p:style>
-          <a:lnRef idx="2">
-            <a:schemeClr val="accent1">
-              <a:shade val="50000"/>
-            </a:schemeClr>
-          </a:lnRef>
-          <a:fillRef idx="1">
-            <a:schemeClr val="accent1"/>
-          </a:fillRef>
-          <a:effectRef idx="0">
-            <a:schemeClr val="accent1"/>
-          </a:effectRef>
-          <a:fontRef idx="minor">
-            <a:schemeClr val="lt1"/>
-          </a:fontRef>
-        </p:style>
-        <p:txBody>
-          <a:bodyPr rtlCol="0" anchor="ctr"/>
-          <a:lstStyle/>
-          <a:p>
-            <a:pPr algn="r"/>
-            <a:r>
-              <a:rPr lang="en-US" sz="1400" dirty="0" smtClean="0">
-                <a:solidFill>
-                  <a:schemeClr val="bg2">
-                    <a:lumMod val="25000"/>
-                  </a:schemeClr>
-                </a:solidFill>
-              </a:rPr>
-              <a:t>Register</a:t>
-            </a:r>
-          </a:p>
-          <a:p>
-            <a:pPr algn="r"/>
-            <a:r>
-              <a:rPr lang="en-US" sz="1400" dirty="0" smtClean="0">
-                <a:solidFill>
-                  <a:schemeClr val="bg2">
-                    <a:lumMod val="25000"/>
-                  </a:schemeClr>
-                </a:solidFill>
-              </a:rPr>
-              <a:t>Homeless</a:t>
-            </a:r>
-            <a:endParaRPr lang="en-US" sz="1400" dirty="0"/>
-          </a:p>
-        </p:txBody>
-      </p:sp>
-      <p:sp>
-        <p:nvSpPr>
-          <p:cNvPr id="23" name="Rectangle 22"/>
-          <p:cNvSpPr/>
-          <p:nvPr/>
-        </p:nvSpPr>
-        <p:spPr>
-          <a:xfrm>
-            <a:off x="10374646" y="3660926"/>
-            <a:ext cx="1604865" cy="643812"/>
-          </a:xfrm>
-          <a:prstGeom prst="rect">
-            <a:avLst/>
-          </a:prstGeom>
-          <a:solidFill>
-            <a:schemeClr val="bg1">
-              <a:lumMod val="85000"/>
-            </a:schemeClr>
-          </a:solidFill>
-          <a:ln w="28575">
-            <a:solidFill>
-              <a:schemeClr val="bg1"/>
-            </a:solidFill>
-            <a:prstDash val="lgDash"/>
-          </a:ln>
-          <a:effectLst>
-            <a:outerShdw blurRad="50800" dist="38100" algn="l" rotWithShape="0">
-              <a:prstClr val="black">
-                <a:alpha val="40000"/>
-              </a:prstClr>
-            </a:outerShdw>
-          </a:effectLst>
-          <a:scene3d>
-            <a:camera prst="perspectiveHeroicExtremeLeftFacing"/>
-            <a:lightRig rig="threePt" dir="t"/>
-          </a:scene3d>
-        </p:spPr>
-        <p:style>
-          <a:lnRef idx="2">
-            <a:schemeClr val="accent1">
-              <a:shade val="50000"/>
-            </a:schemeClr>
-          </a:lnRef>
-          <a:fillRef idx="1">
-            <a:schemeClr val="accent1"/>
-          </a:fillRef>
-          <a:effectRef idx="0">
-            <a:schemeClr val="accent1"/>
-          </a:effectRef>
-          <a:fontRef idx="minor">
-            <a:schemeClr val="lt1"/>
-          </a:fontRef>
-        </p:style>
-        <p:txBody>
-          <a:bodyPr rtlCol="0" anchor="ctr"/>
-          <a:lstStyle/>
-          <a:p>
-            <a:pPr algn="r"/>
-            <a:r>
-              <a:rPr lang="en-US" sz="1400" dirty="0" smtClean="0">
-                <a:solidFill>
-                  <a:schemeClr val="bg2">
-                    <a:lumMod val="25000"/>
-                  </a:schemeClr>
-                </a:solidFill>
-              </a:rPr>
-              <a:t>My</a:t>
-            </a:r>
-            <a:br>
-              <a:rPr lang="en-US" sz="1400" dirty="0" smtClean="0">
-                <a:solidFill>
-                  <a:schemeClr val="bg2">
-                    <a:lumMod val="25000"/>
-                  </a:schemeClr>
-                </a:solidFill>
-              </a:rPr>
-            </a:br>
-            <a:r>
-              <a:rPr lang="en-US" sz="1400" dirty="0" smtClean="0">
-                <a:solidFill>
-                  <a:schemeClr val="bg2">
-                    <a:lumMod val="25000"/>
-                  </a:schemeClr>
-                </a:solidFill>
-              </a:rPr>
-              <a:t>Reward</a:t>
-            </a:r>
-            <a:br>
-              <a:rPr lang="en-US" sz="1400" dirty="0" smtClean="0">
-                <a:solidFill>
-                  <a:schemeClr val="bg2">
-                    <a:lumMod val="25000"/>
-                  </a:schemeClr>
-                </a:solidFill>
-              </a:rPr>
-            </a:br>
-            <a:r>
-              <a:rPr lang="en-US" sz="1400" dirty="0" smtClean="0">
-                <a:solidFill>
-                  <a:schemeClr val="bg2">
-                    <a:lumMod val="25000"/>
-                  </a:schemeClr>
-                </a:solidFill>
-              </a:rPr>
-              <a:t>Points</a:t>
-            </a:r>
-            <a:endParaRPr lang="en-US" sz="1400" dirty="0"/>
-          </a:p>
-        </p:txBody>
-      </p:sp>
-      <p:sp>
-        <p:nvSpPr>
-          <p:cNvPr id="24" name="Rectangle 23"/>
-          <p:cNvSpPr/>
-          <p:nvPr/>
-        </p:nvSpPr>
-        <p:spPr>
-          <a:xfrm>
-            <a:off x="10374646" y="2518859"/>
-            <a:ext cx="1604865" cy="643812"/>
-          </a:xfrm>
-          <a:prstGeom prst="rect">
-            <a:avLst/>
-          </a:prstGeom>
-          <a:solidFill>
-            <a:schemeClr val="bg1">
-              <a:lumMod val="85000"/>
-            </a:schemeClr>
-          </a:solidFill>
-          <a:ln w="28575">
-            <a:solidFill>
-              <a:schemeClr val="bg1"/>
-            </a:solidFill>
-            <a:prstDash val="lgDash"/>
-          </a:ln>
-          <a:effectLst>
-            <a:outerShdw blurRad="50800" dist="38100" algn="l" rotWithShape="0">
-              <a:prstClr val="black">
-                <a:alpha val="40000"/>
-              </a:prstClr>
-            </a:outerShdw>
-          </a:effectLst>
-          <a:scene3d>
-            <a:camera prst="perspectiveHeroicExtremeLeftFacing"/>
-            <a:lightRig rig="threePt" dir="t"/>
-          </a:scene3d>
-        </p:spPr>
-        <p:style>
-          <a:lnRef idx="2">
-            <a:schemeClr val="accent1">
-              <a:shade val="50000"/>
-            </a:schemeClr>
-          </a:lnRef>
-          <a:fillRef idx="1">
-            <a:schemeClr val="accent1"/>
-          </a:fillRef>
-          <a:effectRef idx="0">
-            <a:schemeClr val="accent1"/>
-          </a:effectRef>
-          <a:fontRef idx="minor">
-            <a:schemeClr val="lt1"/>
-          </a:fontRef>
-        </p:style>
-        <p:txBody>
-          <a:bodyPr rtlCol="0" anchor="ctr"/>
-          <a:lstStyle/>
-          <a:p>
-            <a:pPr algn="r"/>
-            <a:r>
-              <a:rPr lang="en-US" sz="1400" dirty="0" smtClean="0">
-                <a:solidFill>
-                  <a:schemeClr val="bg2">
-                    <a:lumMod val="25000"/>
-                  </a:schemeClr>
-                </a:solidFill>
-              </a:rPr>
-              <a:t>Spread</a:t>
-            </a:r>
-            <a:br>
-              <a:rPr lang="en-US" sz="1400" dirty="0" smtClean="0">
-                <a:solidFill>
-                  <a:schemeClr val="bg2">
-                    <a:lumMod val="25000"/>
-                  </a:schemeClr>
-                </a:solidFill>
-              </a:rPr>
-            </a:br>
-            <a:r>
-              <a:rPr lang="en-US" sz="1400" dirty="0" smtClean="0">
-                <a:solidFill>
-                  <a:schemeClr val="bg2">
-                    <a:lumMod val="25000"/>
-                  </a:schemeClr>
-                </a:solidFill>
-              </a:rPr>
-              <a:t>Awareness</a:t>
-            </a:r>
-            <a:endParaRPr lang="en-US" sz="1400" dirty="0"/>
-          </a:p>
-        </p:txBody>
-      </p:sp>
-      <p:cxnSp>
-        <p:nvCxnSpPr>
-          <p:cNvPr id="26" name="Curved Connector 25"/>
-          <p:cNvCxnSpPr>
-            <a:endCxn id="1028" idx="0"/>
-          </p:cNvCxnSpPr>
-          <p:nvPr/>
-        </p:nvCxnSpPr>
-        <p:spPr>
-          <a:xfrm rot="10800000" flipV="1">
-            <a:off x="8131193" y="556630"/>
-            <a:ext cx="2459052" cy="2156279"/>
-          </a:xfrm>
-          <a:prstGeom prst="curvedConnector2">
-            <a:avLst/>
-          </a:prstGeom>
-          <a:ln w="19050">
-            <a:solidFill>
-              <a:schemeClr val="bg2">
-                <a:lumMod val="50000"/>
-              </a:schemeClr>
-            </a:solidFill>
-            <a:tailEnd type="triangle"/>
-          </a:ln>
-        </p:spPr>
-        <p:style>
-          <a:lnRef idx="1">
-            <a:schemeClr val="accent1"/>
-          </a:lnRef>
-          <a:fillRef idx="0">
-            <a:schemeClr val="accent1"/>
-          </a:fillRef>
-          <a:effectRef idx="0">
-            <a:schemeClr val="accent1"/>
-          </a:effectRef>
-          <a:fontRef idx="minor">
-            <a:schemeClr val="tx1"/>
-          </a:fontRef>
-        </p:style>
-      </p:cxnSp>
-      <p:cxnSp>
-        <p:nvCxnSpPr>
-          <p:cNvPr id="29" name="Curved Connector 28"/>
-          <p:cNvCxnSpPr/>
-          <p:nvPr/>
-        </p:nvCxnSpPr>
-        <p:spPr>
-          <a:xfrm rot="10800000" flipV="1">
-            <a:off x="8658809" y="1660008"/>
-            <a:ext cx="1795039" cy="1301841"/>
-          </a:xfrm>
-          <a:prstGeom prst="curvedConnector3">
-            <a:avLst>
-              <a:gd name="adj1" fmla="val 50000"/>
-            </a:avLst>
-          </a:prstGeom>
-          <a:ln w="19050">
-            <a:solidFill>
-              <a:schemeClr val="bg2">
-                <a:lumMod val="50000"/>
-              </a:schemeClr>
-            </a:solidFill>
-            <a:tailEnd type="triangle"/>
-          </a:ln>
-        </p:spPr>
-        <p:style>
-          <a:lnRef idx="1">
-            <a:schemeClr val="accent1"/>
-          </a:lnRef>
-          <a:fillRef idx="0">
-            <a:schemeClr val="accent1"/>
-          </a:fillRef>
-          <a:effectRef idx="0">
-            <a:schemeClr val="accent1"/>
-          </a:effectRef>
-          <a:fontRef idx="minor">
-            <a:schemeClr val="tx1"/>
-          </a:fontRef>
-        </p:style>
-      </p:cxnSp>
-      <p:cxnSp>
-        <p:nvCxnSpPr>
-          <p:cNvPr id="38" name="Curved Connector 37"/>
-          <p:cNvCxnSpPr/>
-          <p:nvPr/>
-        </p:nvCxnSpPr>
-        <p:spPr>
-          <a:xfrm rot="10800000">
-            <a:off x="8976052" y="3843432"/>
-            <a:ext cx="1494049" cy="267776"/>
-          </a:xfrm>
-          <a:prstGeom prst="curvedConnector3">
-            <a:avLst>
-              <a:gd name="adj1" fmla="val 50000"/>
-            </a:avLst>
-          </a:prstGeom>
-          <a:ln w="19050">
-            <a:solidFill>
-              <a:schemeClr val="bg2">
-                <a:lumMod val="50000"/>
-              </a:schemeClr>
-            </a:solidFill>
-            <a:tailEnd type="triangle"/>
-          </a:ln>
-        </p:spPr>
-        <p:style>
-          <a:lnRef idx="1">
-            <a:schemeClr val="accent1"/>
-          </a:lnRef>
-          <a:fillRef idx="0">
-            <a:schemeClr val="accent1"/>
-          </a:fillRef>
-          <a:effectRef idx="0">
-            <a:schemeClr val="accent1"/>
-          </a:effectRef>
-          <a:fontRef idx="minor">
-            <a:schemeClr val="tx1"/>
-          </a:fontRef>
-        </p:style>
-      </p:cxnSp>
-      <p:cxnSp>
-        <p:nvCxnSpPr>
-          <p:cNvPr id="41" name="Curved Connector 40"/>
-          <p:cNvCxnSpPr/>
-          <p:nvPr/>
-        </p:nvCxnSpPr>
-        <p:spPr>
-          <a:xfrm rot="10800000" flipV="1">
-            <a:off x="8976051" y="2719681"/>
-            <a:ext cx="1511558" cy="671779"/>
-          </a:xfrm>
-          <a:prstGeom prst="curvedConnector3">
-            <a:avLst/>
-          </a:prstGeom>
-          <a:ln w="19050">
-            <a:solidFill>
-              <a:schemeClr val="bg2">
-                <a:lumMod val="50000"/>
-              </a:schemeClr>
-            </a:solidFill>
-            <a:tailEnd type="triangle"/>
-          </a:ln>
-        </p:spPr>
-        <p:style>
-          <a:lnRef idx="1">
-            <a:schemeClr val="accent1"/>
-          </a:lnRef>
-          <a:fillRef idx="0">
-            <a:schemeClr val="accent1"/>
-          </a:fillRef>
-          <a:effectRef idx="0">
-            <a:schemeClr val="accent1"/>
-          </a:effectRef>
-          <a:fontRef idx="minor">
-            <a:schemeClr val="tx1"/>
-          </a:fontRef>
-        </p:style>
-      </p:cxnSp>
-      <p:cxnSp>
-        <p:nvCxnSpPr>
-          <p:cNvPr id="43" name="Curved Connector 42"/>
-          <p:cNvCxnSpPr/>
-          <p:nvPr/>
-        </p:nvCxnSpPr>
-        <p:spPr>
-          <a:xfrm rot="10800000">
-            <a:off x="8778713" y="4184115"/>
-            <a:ext cx="1675132" cy="911824"/>
-          </a:xfrm>
-          <a:prstGeom prst="curvedConnector3">
-            <a:avLst/>
-          </a:prstGeom>
-          <a:ln w="19050">
-            <a:solidFill>
-              <a:schemeClr val="bg2">
-                <a:lumMod val="50000"/>
-              </a:schemeClr>
-            </a:solidFill>
-            <a:tailEnd type="triangle"/>
-          </a:ln>
-        </p:spPr>
-        <p:style>
-          <a:lnRef idx="1">
-            <a:schemeClr val="accent1"/>
-          </a:lnRef>
-          <a:fillRef idx="0">
-            <a:schemeClr val="accent1"/>
-          </a:fillRef>
-          <a:effectRef idx="0">
-            <a:schemeClr val="accent1"/>
-          </a:effectRef>
-          <a:fontRef idx="minor">
-            <a:schemeClr val="tx1"/>
-          </a:fontRef>
-        </p:style>
-      </p:cxnSp>
-      <p:cxnSp>
-        <p:nvCxnSpPr>
-          <p:cNvPr id="49" name="Curved Connector 48"/>
-          <p:cNvCxnSpPr>
-            <a:endCxn id="11" idx="2"/>
-          </p:cNvCxnSpPr>
-          <p:nvPr/>
-        </p:nvCxnSpPr>
-        <p:spPr>
-          <a:xfrm rot="10800000">
-            <a:off x="8262257" y="4864876"/>
-            <a:ext cx="2191588" cy="1390929"/>
-          </a:xfrm>
-          <a:prstGeom prst="curvedConnector2">
-            <a:avLst/>
-          </a:prstGeom>
-          <a:ln w="19050">
-            <a:solidFill>
-              <a:schemeClr val="bg2">
-                <a:lumMod val="50000"/>
-              </a:schemeClr>
-            </a:solidFill>
-            <a:tailEnd type="triangle"/>
-          </a:ln>
-        </p:spPr>
-        <p:style>
-          <a:lnRef idx="1">
-            <a:schemeClr val="accent1"/>
-          </a:lnRef>
-          <a:fillRef idx="0">
-            <a:schemeClr val="accent1"/>
-          </a:fillRef>
-          <a:effectRef idx="0">
-            <a:schemeClr val="accent1"/>
-          </a:effectRef>
-          <a:fontRef idx="minor">
-            <a:schemeClr val="tx1"/>
-          </a:fontRef>
-        </p:style>
-      </p:cxnSp>
-      <p:pic>
-        <p:nvPicPr>
-          <p:cNvPr id="1030" name="Picture 6" descr="Image result for Contribution icon"/>
-          <p:cNvPicPr>
-            <a:picLocks noChangeAspect="1" noChangeArrowheads="1"/>
-          </p:cNvPicPr>
-          <p:nvPr/>
-        </p:nvPicPr>
-        <p:blipFill>
-          <a:blip r:embed="rId5" cstate="print">
-            <a:extLst>
-              <a:ext uri="{28A0092B-C50C-407E-A947-70E740481C1C}">
-                <a14:useLocalDpi xmlns:a14="http://schemas.microsoft.com/office/drawing/2010/main" val="0"/>
-              </a:ext>
-            </a:extLst>
-          </a:blip>
-          <a:srcRect/>
-          <a:stretch>
-            <a:fillRect/>
-          </a:stretch>
-        </p:blipFill>
-        <p:spPr bwMode="auto">
-          <a:xfrm>
-            <a:off x="10561324" y="234724"/>
-            <a:ext cx="588815" cy="588815"/>
-          </a:xfrm>
-          <a:prstGeom prst="rect">
-            <a:avLst/>
-          </a:prstGeom>
-          <a:noFill/>
-          <a:extLst>
-            <a:ext uri="{909E8E84-426E-40DD-AFC4-6F175D3DCCD1}">
-              <a14:hiddenFill xmlns:a14="http://schemas.microsoft.com/office/drawing/2010/main">
-                <a:solidFill>
-                  <a:srgbClr val="FFFFFF"/>
-                </a:solidFill>
-              </a14:hiddenFill>
-            </a:ext>
-          </a:extLst>
-        </p:spPr>
-      </p:pic>
-      <p:pic>
-        <p:nvPicPr>
-          <p:cNvPr id="1032" name="Picture 8" descr="Image result for NGO icon"/>
-          <p:cNvPicPr>
-            <a:picLocks noChangeAspect="1" noChangeArrowheads="1"/>
-          </p:cNvPicPr>
-          <p:nvPr/>
-        </p:nvPicPr>
-        <p:blipFill rotWithShape="1">
-          <a:blip r:embed="rId6" cstate="print">
-            <a:extLst>
-              <a:ext uri="{BEBA8EAE-BF5A-486C-A8C5-ECC9F3942E4B}">
-                <a14:imgProps xmlns:a14="http://schemas.microsoft.com/office/drawing/2010/main">
-                  <a14:imgLayer r:embed="rId7">
-                    <a14:imgEffect>
-                      <a14:backgroundRemoval t="19935" b="80229" l="20425" r="78758">
-                        <a14:foregroundMark x1="20425" y1="68464" x2="20425" y2="68464"/>
-                        <a14:foregroundMark x1="59477" y1="65523" x2="59477" y2="65523"/>
-                        <a14:foregroundMark x1="66667" y1="64052" x2="66667" y2="64052"/>
-                        <a14:foregroundMark x1="63889" y1="37745" x2="63889" y2="37745"/>
-                        <a14:foregroundMark x1="48693" y1="33333" x2="48693" y2="33333"/>
-                        <a14:foregroundMark x1="67974" y1="36111" x2="67974" y2="36111"/>
-                        <a14:foregroundMark x1="68954" y1="20261" x2="68954" y2="20261"/>
-                        <a14:foregroundMark x1="37582" y1="78268" x2="37582" y2="78268"/>
-                        <a14:foregroundMark x1="25000" y1="80392" x2="25000" y2="80392"/>
-                        <a14:foregroundMark x1="78758" y1="66503" x2="78758" y2="66503"/>
-                      </a14:backgroundRemoval>
-                    </a14:imgEffect>
-                  </a14:imgLayer>
-                </a14:imgProps>
-              </a:ext>
-              <a:ext uri="{28A0092B-C50C-407E-A947-70E740481C1C}">
-                <a14:useLocalDpi xmlns:a14="http://schemas.microsoft.com/office/drawing/2010/main" val="0"/>
-              </a:ext>
-            </a:extLst>
-          </a:blip>
-          <a:srcRect l="16690" t="16787" r="16795" b="16697"/>
-          <a:stretch/>
-        </p:blipFill>
-        <p:spPr bwMode="auto">
-          <a:xfrm>
-            <a:off x="10563123" y="1357861"/>
-            <a:ext cx="585216" cy="585216"/>
-          </a:xfrm>
-          <a:prstGeom prst="rect">
-            <a:avLst/>
-          </a:prstGeom>
-          <a:noFill/>
-          <a:scene3d>
-            <a:camera prst="perspectiveHeroicExtremeLeftFacing"/>
-            <a:lightRig rig="threePt" dir="t"/>
-          </a:scene3d>
-          <a:extLst>
-            <a:ext uri="{909E8E84-426E-40DD-AFC4-6F175D3DCCD1}">
-              <a14:hiddenFill xmlns:a14="http://schemas.microsoft.com/office/drawing/2010/main">
-                <a:solidFill>
-                  <a:srgbClr val="FFFFFF"/>
-                </a:solidFill>
-              </a14:hiddenFill>
-            </a:ext>
-          </a:extLst>
-        </p:spPr>
-      </p:pic>
-      <p:pic>
-        <p:nvPicPr>
-          <p:cNvPr id="1034" name="Picture 10" descr="Image result for Awareness icon"/>
-          <p:cNvPicPr>
-            <a:picLocks noChangeAspect="1" noChangeArrowheads="1"/>
-          </p:cNvPicPr>
-          <p:nvPr/>
-        </p:nvPicPr>
-        <p:blipFill>
-          <a:blip r:embed="rId8" cstate="print">
-            <a:extLst>
-              <a:ext uri="{28A0092B-C50C-407E-A947-70E740481C1C}">
-                <a14:useLocalDpi xmlns:a14="http://schemas.microsoft.com/office/drawing/2010/main" val="0"/>
-              </a:ext>
-            </a:extLst>
-          </a:blip>
-          <a:srcRect/>
-          <a:stretch>
-            <a:fillRect/>
-          </a:stretch>
-        </p:blipFill>
-        <p:spPr bwMode="auto">
-          <a:xfrm>
-            <a:off x="10576684" y="2470631"/>
-            <a:ext cx="585216" cy="585216"/>
-          </a:xfrm>
-          <a:prstGeom prst="rect">
-            <a:avLst/>
-          </a:prstGeom>
-          <a:noFill/>
-          <a:extLst>
-            <a:ext uri="{909E8E84-426E-40DD-AFC4-6F175D3DCCD1}">
-              <a14:hiddenFill xmlns:a14="http://schemas.microsoft.com/office/drawing/2010/main">
-                <a:solidFill>
-                  <a:srgbClr val="FFFFFF"/>
-                </a:solidFill>
-              </a14:hiddenFill>
-            </a:ext>
-          </a:extLst>
-        </p:spPr>
-      </p:pic>
-      <p:pic>
-        <p:nvPicPr>
-          <p:cNvPr id="1036" name="Picture 12" descr="Image result for reward icon"/>
-          <p:cNvPicPr>
-            <a:picLocks noChangeAspect="1" noChangeArrowheads="1"/>
-          </p:cNvPicPr>
-          <p:nvPr/>
-        </p:nvPicPr>
-        <p:blipFill>
-          <a:blip r:embed="rId9" cstate="print">
-            <a:extLst>
-              <a:ext uri="{28A0092B-C50C-407E-A947-70E740481C1C}">
-                <a14:useLocalDpi xmlns:a14="http://schemas.microsoft.com/office/drawing/2010/main" val="0"/>
-              </a:ext>
-            </a:extLst>
-          </a:blip>
-          <a:srcRect/>
-          <a:stretch>
-            <a:fillRect/>
-          </a:stretch>
-        </p:blipFill>
-        <p:spPr bwMode="auto">
-          <a:xfrm>
-            <a:off x="10643482" y="3651977"/>
-            <a:ext cx="424497" cy="585216"/>
-          </a:xfrm>
-          <a:prstGeom prst="rect">
-            <a:avLst/>
-          </a:prstGeom>
-          <a:noFill/>
-          <a:scene3d>
-            <a:camera prst="perspectiveHeroicExtremeLeftFacing"/>
-            <a:lightRig rig="threePt" dir="t"/>
-          </a:scene3d>
-          <a:extLst>
-            <a:ext uri="{909E8E84-426E-40DD-AFC4-6F175D3DCCD1}">
-              <a14:hiddenFill xmlns:a14="http://schemas.microsoft.com/office/drawing/2010/main">
-                <a:solidFill>
-                  <a:srgbClr val="FFFFFF"/>
-                </a:solidFill>
-              </a14:hiddenFill>
-            </a:ext>
-          </a:extLst>
-        </p:spPr>
-      </p:pic>
-      <p:pic>
-        <p:nvPicPr>
-          <p:cNvPr id="1038" name="Picture 14" descr="Image result for biometric icon"/>
-          <p:cNvPicPr>
-            <a:picLocks noChangeAspect="1" noChangeArrowheads="1"/>
-          </p:cNvPicPr>
-          <p:nvPr/>
-        </p:nvPicPr>
-        <p:blipFill>
-          <a:blip r:embed="rId10" cstate="print">
-            <a:extLst>
-              <a:ext uri="{28A0092B-C50C-407E-A947-70E740481C1C}">
-                <a14:useLocalDpi xmlns:a14="http://schemas.microsoft.com/office/drawing/2010/main" val="0"/>
-              </a:ext>
-            </a:extLst>
-          </a:blip>
-          <a:srcRect/>
-          <a:stretch>
-            <a:fillRect/>
-          </a:stretch>
-        </p:blipFill>
-        <p:spPr bwMode="auto">
-          <a:xfrm>
-            <a:off x="10557788" y="4818108"/>
-            <a:ext cx="585216" cy="585216"/>
-          </a:xfrm>
-          <a:prstGeom prst="rect">
-            <a:avLst/>
-          </a:prstGeom>
-          <a:noFill/>
-          <a:scene3d>
-            <a:camera prst="perspectiveHeroicExtremeLeftFacing"/>
-            <a:lightRig rig="threePt" dir="t"/>
-          </a:scene3d>
-          <a:extLst>
-            <a:ext uri="{909E8E84-426E-40DD-AFC4-6F175D3DCCD1}">
-              <a14:hiddenFill xmlns:a14="http://schemas.microsoft.com/office/drawing/2010/main">
-                <a:solidFill>
-                  <a:srgbClr val="FFFFFF"/>
-                </a:solidFill>
-              </a14:hiddenFill>
-            </a:ext>
-          </a:extLst>
-        </p:spPr>
-      </p:pic>
-      <p:pic>
-        <p:nvPicPr>
-          <p:cNvPr id="1040" name="Picture 16" descr="Image result for share icon"/>
-          <p:cNvPicPr>
-            <a:picLocks noChangeAspect="1" noChangeArrowheads="1"/>
-          </p:cNvPicPr>
-          <p:nvPr/>
-        </p:nvPicPr>
-        <p:blipFill>
-          <a:blip r:embed="rId11" cstate="print">
-            <a:extLst>
-              <a:ext uri="{28A0092B-C50C-407E-A947-70E740481C1C}">
-                <a14:useLocalDpi xmlns:a14="http://schemas.microsoft.com/office/drawing/2010/main" val="0"/>
-              </a:ext>
-            </a:extLst>
-          </a:blip>
-          <a:srcRect/>
-          <a:stretch>
-            <a:fillRect/>
-          </a:stretch>
-        </p:blipFill>
-        <p:spPr bwMode="auto">
-          <a:xfrm>
-            <a:off x="10557788" y="5959835"/>
-            <a:ext cx="585216" cy="585216"/>
-          </a:xfrm>
-          <a:prstGeom prst="rect">
-            <a:avLst/>
-          </a:prstGeom>
-          <a:noFill/>
-          <a:scene3d>
-            <a:camera prst="perspectiveHeroicExtremeLeftFacing"/>
-            <a:lightRig rig="threePt" dir="t"/>
-          </a:scene3d>
-          <a:extLst>
-            <a:ext uri="{909E8E84-426E-40DD-AFC4-6F175D3DCCD1}">
-              <a14:hiddenFill xmlns:a14="http://schemas.microsoft.com/office/drawing/2010/main">
-                <a:solidFill>
-                  <a:srgbClr val="FFFFFF"/>
-                </a:solidFill>
-              </a14:hiddenFill>
-            </a:ext>
-          </a:extLst>
-        </p:spPr>
-      </p:pic>
-      <p:sp>
-        <p:nvSpPr>
-          <p:cNvPr id="63" name="Rectangle 62"/>
-          <p:cNvSpPr/>
-          <p:nvPr/>
-        </p:nvSpPr>
-        <p:spPr>
-          <a:xfrm>
-            <a:off x="296642" y="1884080"/>
-            <a:ext cx="1604865" cy="643812"/>
-          </a:xfrm>
-          <a:prstGeom prst="rect">
-            <a:avLst/>
-          </a:prstGeom>
-          <a:solidFill>
-            <a:schemeClr val="bg1">
-              <a:lumMod val="85000"/>
-            </a:schemeClr>
-          </a:solidFill>
-          <a:ln w="28575">
-            <a:solidFill>
-              <a:schemeClr val="bg1"/>
-            </a:solidFill>
-            <a:prstDash val="lgDash"/>
-          </a:ln>
-          <a:effectLst>
-            <a:outerShdw blurRad="50800" dist="38100" algn="l" rotWithShape="0">
-              <a:prstClr val="black">
-                <a:alpha val="40000"/>
-              </a:prstClr>
-            </a:outerShdw>
-          </a:effectLst>
-          <a:scene3d>
-            <a:camera prst="perspectiveContrastingRightFacing"/>
-            <a:lightRig rig="threePt" dir="t"/>
-          </a:scene3d>
-        </p:spPr>
-        <p:style>
-          <a:lnRef idx="2">
-            <a:schemeClr val="accent1">
-              <a:shade val="50000"/>
-            </a:schemeClr>
-          </a:lnRef>
-          <a:fillRef idx="1">
-            <a:schemeClr val="accent1"/>
-          </a:fillRef>
-          <a:effectRef idx="0">
-            <a:schemeClr val="accent1"/>
-          </a:effectRef>
-          <a:fontRef idx="minor">
-            <a:schemeClr val="lt1"/>
-          </a:fontRef>
-        </p:style>
-        <p:txBody>
-          <a:bodyPr rtlCol="0" anchor="ctr"/>
-          <a:lstStyle/>
-          <a:p>
-            <a:pPr algn="r"/>
-            <a:r>
-              <a:rPr lang="en-US" sz="1400" dirty="0" smtClean="0">
-                <a:solidFill>
-                  <a:schemeClr val="bg2">
-                    <a:lumMod val="25000"/>
-                  </a:schemeClr>
-                </a:solidFill>
-              </a:rPr>
-              <a:t>Details about NGOs and charities</a:t>
-            </a:r>
-            <a:endParaRPr lang="en-US" sz="1400" dirty="0">
-              <a:solidFill>
-                <a:schemeClr val="bg2">
-                  <a:lumMod val="25000"/>
-                </a:schemeClr>
-              </a:solidFill>
-            </a:endParaRPr>
-          </a:p>
-        </p:txBody>
-      </p:sp>
-      <p:sp>
-        <p:nvSpPr>
-          <p:cNvPr id="64" name="Rectangle 63"/>
-          <p:cNvSpPr/>
-          <p:nvPr/>
-        </p:nvSpPr>
-        <p:spPr>
-          <a:xfrm>
-            <a:off x="425665" y="3015428"/>
-            <a:ext cx="1604865" cy="643812"/>
-          </a:xfrm>
-          <a:prstGeom prst="rect">
-            <a:avLst/>
-          </a:prstGeom>
-          <a:solidFill>
-            <a:schemeClr val="bg1">
-              <a:lumMod val="85000"/>
-            </a:schemeClr>
-          </a:solidFill>
-          <a:ln w="28575">
-            <a:solidFill>
-              <a:schemeClr val="bg1"/>
-            </a:solidFill>
-            <a:prstDash val="lgDash"/>
-          </a:ln>
-          <a:effectLst>
-            <a:outerShdw blurRad="50800" dist="38100" algn="l" rotWithShape="0">
-              <a:prstClr val="black">
-                <a:alpha val="40000"/>
-              </a:prstClr>
-            </a:outerShdw>
-          </a:effectLst>
-          <a:scene3d>
-            <a:camera prst="perspectiveContrastingRightFacing"/>
-            <a:lightRig rig="threePt" dir="t"/>
-          </a:scene3d>
-        </p:spPr>
-        <p:style>
-          <a:lnRef idx="2">
-            <a:schemeClr val="accent1">
-              <a:shade val="50000"/>
-            </a:schemeClr>
-          </a:lnRef>
-          <a:fillRef idx="1">
-            <a:schemeClr val="accent1"/>
-          </a:fillRef>
-          <a:effectRef idx="0">
-            <a:schemeClr val="accent1"/>
-          </a:effectRef>
-          <a:fontRef idx="minor">
-            <a:schemeClr val="lt1"/>
-          </a:fontRef>
-        </p:style>
-        <p:txBody>
-          <a:bodyPr rtlCol="0" anchor="ctr"/>
-          <a:lstStyle/>
-          <a:p>
-            <a:pPr algn="r"/>
-            <a:r>
-              <a:rPr lang="en-US" sz="1400" dirty="0" smtClean="0">
-                <a:solidFill>
-                  <a:schemeClr val="bg2">
-                    <a:lumMod val="25000"/>
-                  </a:schemeClr>
-                </a:solidFill>
-              </a:rPr>
-              <a:t>User and their contribution details</a:t>
-            </a:r>
-            <a:endParaRPr lang="en-US" sz="1400" dirty="0">
-              <a:solidFill>
-                <a:schemeClr val="bg2">
-                  <a:lumMod val="25000"/>
-                </a:schemeClr>
-              </a:solidFill>
-            </a:endParaRPr>
-          </a:p>
-        </p:txBody>
-      </p:sp>
-      <p:sp>
-        <p:nvSpPr>
-          <p:cNvPr id="65" name="Rectangle 64"/>
-          <p:cNvSpPr/>
-          <p:nvPr/>
-        </p:nvSpPr>
-        <p:spPr>
-          <a:xfrm>
-            <a:off x="425665" y="4146776"/>
-            <a:ext cx="1604865" cy="643812"/>
-          </a:xfrm>
-          <a:prstGeom prst="rect">
-            <a:avLst/>
-          </a:prstGeom>
-          <a:solidFill>
-            <a:schemeClr val="bg1">
-              <a:lumMod val="85000"/>
-            </a:schemeClr>
-          </a:solidFill>
-          <a:ln w="28575">
-            <a:solidFill>
-              <a:schemeClr val="bg1"/>
-            </a:solidFill>
-            <a:prstDash val="lgDash"/>
-          </a:ln>
-          <a:effectLst>
-            <a:outerShdw blurRad="50800" dist="38100" algn="l" rotWithShape="0">
-              <a:prstClr val="black">
-                <a:alpha val="40000"/>
-              </a:prstClr>
-            </a:outerShdw>
-          </a:effectLst>
-          <a:scene3d>
-            <a:camera prst="perspectiveContrastingRightFacing"/>
-            <a:lightRig rig="threePt" dir="t"/>
-          </a:scene3d>
-        </p:spPr>
-        <p:style>
-          <a:lnRef idx="2">
-            <a:schemeClr val="accent1">
-              <a:shade val="50000"/>
-            </a:schemeClr>
-          </a:lnRef>
-          <a:fillRef idx="1">
-            <a:schemeClr val="accent1"/>
-          </a:fillRef>
-          <a:effectRef idx="0">
-            <a:schemeClr val="accent1"/>
-          </a:effectRef>
-          <a:fontRef idx="minor">
-            <a:schemeClr val="lt1"/>
-          </a:fontRef>
-        </p:style>
-        <p:txBody>
-          <a:bodyPr rtlCol="0" anchor="ctr"/>
-          <a:lstStyle/>
-          <a:p>
-            <a:pPr algn="r"/>
-            <a:r>
-              <a:rPr lang="en-US" sz="1400" dirty="0" smtClean="0">
-                <a:solidFill>
-                  <a:schemeClr val="bg2">
-                    <a:lumMod val="25000"/>
-                  </a:schemeClr>
-                </a:solidFill>
-              </a:rPr>
-              <a:t>Shelter and Food details</a:t>
-            </a:r>
-            <a:endParaRPr lang="en-US" sz="1400" dirty="0">
-              <a:solidFill>
-                <a:schemeClr val="bg2">
-                  <a:lumMod val="25000"/>
-                </a:schemeClr>
-              </a:solidFill>
-            </a:endParaRPr>
-          </a:p>
-        </p:txBody>
-      </p:sp>
-      <p:sp>
-        <p:nvSpPr>
-          <p:cNvPr id="66" name="Rectangle 65"/>
-          <p:cNvSpPr/>
-          <p:nvPr/>
-        </p:nvSpPr>
-        <p:spPr>
-          <a:xfrm>
-            <a:off x="449041" y="5278124"/>
-            <a:ext cx="1604865" cy="643812"/>
-          </a:xfrm>
-          <a:prstGeom prst="rect">
-            <a:avLst/>
-          </a:prstGeom>
-          <a:solidFill>
-            <a:schemeClr val="bg1">
-              <a:lumMod val="85000"/>
-            </a:schemeClr>
-          </a:solidFill>
-          <a:ln w="28575">
-            <a:solidFill>
-              <a:schemeClr val="bg1"/>
-            </a:solidFill>
-            <a:prstDash val="lgDash"/>
-          </a:ln>
-          <a:effectLst>
-            <a:outerShdw blurRad="50800" dist="38100" algn="l" rotWithShape="0">
-              <a:prstClr val="black">
-                <a:alpha val="40000"/>
-              </a:prstClr>
-            </a:outerShdw>
-          </a:effectLst>
-          <a:scene3d>
-            <a:camera prst="perspectiveContrastingRightFacing"/>
-            <a:lightRig rig="threePt" dir="t"/>
-          </a:scene3d>
-        </p:spPr>
-        <p:style>
-          <a:lnRef idx="2">
-            <a:schemeClr val="accent1">
-              <a:shade val="50000"/>
-            </a:schemeClr>
-          </a:lnRef>
-          <a:fillRef idx="1">
-            <a:schemeClr val="accent1"/>
-          </a:fillRef>
-          <a:effectRef idx="0">
-            <a:schemeClr val="accent1"/>
-          </a:effectRef>
-          <a:fontRef idx="minor">
-            <a:schemeClr val="lt1"/>
-          </a:fontRef>
-        </p:style>
-        <p:txBody>
-          <a:bodyPr rtlCol="0" anchor="ctr"/>
-          <a:lstStyle/>
-          <a:p>
-            <a:pPr algn="r"/>
-            <a:r>
-              <a:rPr lang="en-US" sz="1400" dirty="0" smtClean="0">
-                <a:solidFill>
-                  <a:schemeClr val="bg2">
-                    <a:lumMod val="25000"/>
-                  </a:schemeClr>
-                </a:solidFill>
-              </a:rPr>
-              <a:t>Registered homeless people details</a:t>
-            </a:r>
-            <a:endParaRPr lang="en-US" sz="1400" dirty="0">
-              <a:solidFill>
-                <a:schemeClr val="bg2">
-                  <a:lumMod val="25000"/>
-                </a:schemeClr>
-              </a:solidFill>
-            </a:endParaRPr>
-          </a:p>
-        </p:txBody>
-      </p:sp>
-      <p:cxnSp>
-        <p:nvCxnSpPr>
-          <p:cNvPr id="56" name="Curved Connector 55"/>
-          <p:cNvCxnSpPr/>
-          <p:nvPr/>
-        </p:nvCxnSpPr>
-        <p:spPr>
-          <a:xfrm>
-            <a:off x="1811311" y="2154069"/>
-            <a:ext cx="1538379" cy="807780"/>
-          </a:xfrm>
-          <a:prstGeom prst="curvedConnector3">
-            <a:avLst>
-              <a:gd name="adj1" fmla="val 50000"/>
-            </a:avLst>
-          </a:prstGeom>
-          <a:ln w="19050">
-            <a:solidFill>
-              <a:schemeClr val="bg2">
-                <a:lumMod val="50000"/>
-              </a:schemeClr>
-            </a:solidFill>
-            <a:tailEnd type="triangle"/>
-          </a:ln>
-        </p:spPr>
-        <p:style>
-          <a:lnRef idx="1">
-            <a:schemeClr val="accent1"/>
-          </a:lnRef>
-          <a:fillRef idx="0">
-            <a:schemeClr val="accent1"/>
-          </a:fillRef>
-          <a:effectRef idx="0">
-            <a:schemeClr val="accent1"/>
-          </a:effectRef>
-          <a:fontRef idx="minor">
-            <a:schemeClr val="tx1"/>
-          </a:fontRef>
-        </p:style>
-      </p:cxnSp>
-      <p:cxnSp>
-        <p:nvCxnSpPr>
-          <p:cNvPr id="60" name="Curved Connector 59"/>
-          <p:cNvCxnSpPr/>
-          <p:nvPr/>
-        </p:nvCxnSpPr>
-        <p:spPr>
-          <a:xfrm flipV="1">
-            <a:off x="1811311" y="4304738"/>
-            <a:ext cx="1538379" cy="1321621"/>
-          </a:xfrm>
-          <a:prstGeom prst="curvedConnector3">
-            <a:avLst/>
-          </a:prstGeom>
-          <a:ln w="19050">
-            <a:solidFill>
-              <a:schemeClr val="bg2">
-                <a:lumMod val="50000"/>
-              </a:schemeClr>
-            </a:solidFill>
-            <a:tailEnd type="triangle"/>
-          </a:ln>
-        </p:spPr>
-        <p:style>
-          <a:lnRef idx="1">
-            <a:schemeClr val="accent1"/>
-          </a:lnRef>
-          <a:fillRef idx="0">
-            <a:schemeClr val="accent1"/>
-          </a:fillRef>
-          <a:effectRef idx="0">
-            <a:schemeClr val="accent1"/>
-          </a:effectRef>
-          <a:fontRef idx="minor">
-            <a:schemeClr val="tx1"/>
-          </a:fontRef>
-        </p:style>
-      </p:cxnSp>
-      <p:cxnSp>
-        <p:nvCxnSpPr>
-          <p:cNvPr id="62" name="Straight Arrow Connector 61"/>
-          <p:cNvCxnSpPr/>
-          <p:nvPr/>
-        </p:nvCxnSpPr>
-        <p:spPr>
-          <a:xfrm>
-            <a:off x="1898034" y="3210712"/>
-            <a:ext cx="1261658" cy="124032"/>
-          </a:xfrm>
-          <a:prstGeom prst="straightConnector1">
-            <a:avLst/>
-          </a:prstGeom>
-          <a:ln w="19050">
-            <a:solidFill>
-              <a:schemeClr val="bg2">
-                <a:lumMod val="50000"/>
-              </a:schemeClr>
-            </a:solidFill>
-            <a:tailEnd type="triangle"/>
-          </a:ln>
-        </p:spPr>
-        <p:style>
-          <a:lnRef idx="1">
-            <a:schemeClr val="accent1"/>
-          </a:lnRef>
-          <a:fillRef idx="0">
-            <a:schemeClr val="accent1"/>
-          </a:fillRef>
-          <a:effectRef idx="0">
-            <a:schemeClr val="accent1"/>
-          </a:effectRef>
-          <a:fontRef idx="minor">
-            <a:schemeClr val="tx1"/>
-          </a:fontRef>
-        </p:style>
-      </p:cxnSp>
-      <p:cxnSp>
-        <p:nvCxnSpPr>
-          <p:cNvPr id="68" name="Straight Arrow Connector 67"/>
-          <p:cNvCxnSpPr/>
-          <p:nvPr/>
-        </p:nvCxnSpPr>
-        <p:spPr>
-          <a:xfrm flipV="1">
-            <a:off x="1901507" y="3867731"/>
-            <a:ext cx="1258214" cy="485203"/>
-          </a:xfrm>
-          <a:prstGeom prst="straightConnector1">
-            <a:avLst/>
-          </a:prstGeom>
-          <a:ln w="19050">
-            <a:solidFill>
-              <a:schemeClr val="bg2">
-                <a:lumMod val="50000"/>
-              </a:schemeClr>
-            </a:solidFill>
-            <a:tailEnd type="triangle"/>
-          </a:ln>
-        </p:spPr>
-        <p:style>
-          <a:lnRef idx="1">
-            <a:schemeClr val="accent1"/>
-          </a:lnRef>
-          <a:fillRef idx="0">
-            <a:schemeClr val="accent1"/>
-          </a:fillRef>
-          <a:effectRef idx="0">
-            <a:schemeClr val="accent1"/>
-          </a:effectRef>
-          <a:fontRef idx="minor">
-            <a:schemeClr val="tx1"/>
-          </a:fontRef>
-        </p:style>
-      </p:cxnSp>
-      <p:pic>
-        <p:nvPicPr>
-          <p:cNvPr id="1042" name="Picture 18" descr="Image result for homelessness icon"/>
-          <p:cNvPicPr>
-            <a:picLocks noChangeAspect="1" noChangeArrowheads="1"/>
-          </p:cNvPicPr>
-          <p:nvPr/>
-        </p:nvPicPr>
-        <p:blipFill>
-          <a:blip r:embed="rId12">
-            <a:extLst>
-              <a:ext uri="{28A0092B-C50C-407E-A947-70E740481C1C}">
-                <a14:useLocalDpi xmlns:a14="http://schemas.microsoft.com/office/drawing/2010/main" val="0"/>
-              </a:ext>
-            </a:extLst>
-          </a:blip>
-          <a:srcRect/>
-          <a:stretch>
-            <a:fillRect/>
-          </a:stretch>
-        </p:blipFill>
-        <p:spPr bwMode="auto">
-          <a:xfrm>
-            <a:off x="4955070" y="3145062"/>
-            <a:ext cx="2275403" cy="1231029"/>
-          </a:xfrm>
-          <a:prstGeom prst="rect">
-            <a:avLst/>
-          </a:prstGeom>
-          <a:noFill/>
-          <a:extLst>
-            <a:ext uri="{909E8E84-426E-40DD-AFC4-6F175D3DCCD1}">
-              <a14:hiddenFill xmlns:a14="http://schemas.microsoft.com/office/drawing/2010/main">
-                <a:solidFill>
-                  <a:srgbClr val="FFFFFF"/>
-                </a:solidFill>
-              </a14:hiddenFill>
-            </a:ext>
-          </a:extLst>
-        </p:spPr>
-      </p:pic>
     </p:spTree>
     <p:extLst>
       <p:ext uri="{BB962C8B-B14F-4D97-AF65-F5344CB8AC3E}">
-        <p14:creationId xmlns:p14="http://schemas.microsoft.com/office/powerpoint/2010/main" val="1032393225"/>
+        <p14:creationId xmlns:p14="http://schemas.microsoft.com/office/powerpoint/2010/main" val="225291704"/>
       </p:ext>
     </p:extLst>
   </p:cSld>
